--- a/week_5/Markov Decision Process.pptx
+++ b/week_5/Markov Decision Process.pptx
@@ -6,7 +6,7 @@
     <p:sldMasterId id="2147483660" r:id="rId13"/>
   </p:sldMasterIdLst>
   <p:notesMasterIdLst>
-    <p:notesMasterId r:id="rId55"/>
+    <p:notesMasterId r:id="rId56"/>
   </p:notesMasterIdLst>
   <p:sldIdLst>
     <p:sldId id="256" r:id="rId14"/>
@@ -40,16 +40,17 @@
     <p:sldId id="346" r:id="rId42"/>
     <p:sldId id="324" r:id="rId43"/>
     <p:sldId id="327" r:id="rId44"/>
-    <p:sldId id="330" r:id="rId45"/>
-    <p:sldId id="331" r:id="rId46"/>
-    <p:sldId id="328" r:id="rId47"/>
-    <p:sldId id="332" r:id="rId48"/>
-    <p:sldId id="333" r:id="rId49"/>
-    <p:sldId id="329" r:id="rId50"/>
-    <p:sldId id="335" r:id="rId51"/>
-    <p:sldId id="336" r:id="rId52"/>
-    <p:sldId id="337" r:id="rId53"/>
-    <p:sldId id="305" r:id="rId54"/>
+    <p:sldId id="347" r:id="rId45"/>
+    <p:sldId id="349" r:id="rId46"/>
+    <p:sldId id="330" r:id="rId47"/>
+    <p:sldId id="331" r:id="rId48"/>
+    <p:sldId id="328" r:id="rId49"/>
+    <p:sldId id="332" r:id="rId50"/>
+    <p:sldId id="333" r:id="rId51"/>
+    <p:sldId id="329" r:id="rId52"/>
+    <p:sldId id="335" r:id="rId53"/>
+    <p:sldId id="336" r:id="rId54"/>
+    <p:sldId id="305" r:id="rId55"/>
   </p:sldIdLst>
   <p:sldSz cx="12192000" cy="6858000"/>
   <p:notesSz cx="6858000" cy="9144000"/>
@@ -1368,18 +1369,18 @@
     </pc:docChg>
   </pc:docChgLst>
   <pc:docChgLst>
-    <pc:chgData name="Joseph Marvin R. Imperial" userId="c5118018-74d5-4421-be4d-7197191e5b08" providerId="ADAL" clId="{8B587F43-1B51-4416-B410-57F8B9E236B1}"/>
-    <pc:docChg chg="undo custSel addSld delSld modSld">
-      <pc:chgData name="Joseph Marvin R. Imperial" userId="c5118018-74d5-4421-be4d-7197191e5b08" providerId="ADAL" clId="{8B587F43-1B51-4416-B410-57F8B9E236B1}" dt="2021-03-24T12:30:06.351" v="559" actId="5793"/>
+    <pc:chgData name="Joseph Marvin R. Imperial" userId="c5118018-74d5-4421-be4d-7197191e5b08" providerId="ADAL" clId="{AB9EEC7B-5938-AB4A-BBF1-2D08914B856E}"/>
+    <pc:docChg chg="addSld delSld">
+      <pc:chgData name="Joseph Marvin R. Imperial" userId="c5118018-74d5-4421-be4d-7197191e5b08" providerId="ADAL" clId="{AB9EEC7B-5938-AB4A-BBF1-2D08914B856E}" dt="2021-04-20T00:57:02.237" v="3" actId="2696"/>
       <pc:docMkLst>
         <pc:docMk/>
       </pc:docMkLst>
     </pc:docChg>
   </pc:docChgLst>
   <pc:docChgLst>
-    <pc:chgData name="Joseph Marvin R. Imperial" userId="c5118018-74d5-4421-be4d-7197191e5b08" providerId="ADAL" clId="{AB9EEC7B-5938-AB4A-BBF1-2D08914B856E}"/>
-    <pc:docChg chg="addSld delSld">
-      <pc:chgData name="Joseph Marvin R. Imperial" userId="c5118018-74d5-4421-be4d-7197191e5b08" providerId="ADAL" clId="{AB9EEC7B-5938-AB4A-BBF1-2D08914B856E}" dt="2021-04-20T00:57:02.237" v="3" actId="2696"/>
+    <pc:chgData name="Joseph Marvin R. Imperial" userId="c5118018-74d5-4421-be4d-7197191e5b08" providerId="ADAL" clId="{8B587F43-1B51-4416-B410-57F8B9E236B1}"/>
+    <pc:docChg chg="undo custSel addSld delSld modSld">
+      <pc:chgData name="Joseph Marvin R. Imperial" userId="c5118018-74d5-4421-be4d-7197191e5b08" providerId="ADAL" clId="{8B587F43-1B51-4416-B410-57F8B9E236B1}" dt="2021-03-24T12:30:06.351" v="559" actId="5793"/>
       <pc:docMkLst>
         <pc:docMk/>
       </pc:docMkLst>
@@ -1636,7 +1637,7 @@
     </inkml:brush>
   </inkml:definitions>
   <inkml:trace contextRef="#ctx0" brushRef="#br0">12499 7914 424 0,'0'0'80'16,"0"0"-51"-16,0 0-17 16,0 0 42-16,0 0-15 15,11-11-7-15,-11 7-9 16,0-3-4-16,-9 0 12 0,-18-8-1 16,-17-3-8-1,-14-2-18-15,-14-4-4 16,-10 0 1-16,-5 2-6 0,0 6 9 15,-2 4-5 1,2 8 1-16,-4 4-2 0,-14 0 1 16,-6 6 0-16,0 14-1 15,5 8 1-15,9 6 0 16,10 2-5-16,9 6-12 16,4 5-29-16,9 3 28 15,3 8-3-15,2 2 10 16,2 4 2-16,3 3-11 15,-1-2 11-15,2 6 0 16,8-1 7-16,7-6 3 16,8-6 1-16,14-6-1 0,3 1-6 15,8 1 0 1,3 4 6-16,3 12 2 0,0 10 13 16,5 8 8-16,13 5 17 15,-3-11-1-15,3-8-22 16,-5-12-1-16,-1-12-11 15,1-5-3-15,3-9 13 16,3-4-15-16,6 0-2 16,2 0 2-16,6 4 23 15,3 0 9-15,1-2-19 16,6 0-4-16,2-8-4 16,2-2 1-16,1-6-4 15,0-6-2-15,0-2 5 0,1-6-8 16,3-4 5-16,1 0-2 15,5 0 0-15,2-10 6 16,4-10 3-16,4 0-7 16,-1 0 0-16,-5-2 0 15,-4 2-2-15,-3-2 5 16,-3 0-3-16,-1-2-1 16,2 2-2-16,1-2 0 15,2-3 1-15,2 4 5 16,-2-4-5-16,-4 1 2 15,0 1-2-15,-5-1 0 16,-3-1 2-16,-2 4-1 16,-5-4-1-16,-4 1 1 15,-4-4-1-15,2-2 5 0,-2 0-4 16,-3-2 0-16,1 4-2 16,-2 2 4-16,-7 4-2 15,-1 2-1-15,-3 4 1 16,-3 1-1-16,-5-2 3 15,-1-2 2-15,-5-3-3 16,0-8 8-16,0-8-6 16,-9-16 3-16,-13-18-7 15,-4-25 5-15,-1-17-5 16,2-4 0-16,3 10-1 16,2 23-3-16,-7 27 4 15,-8 18 0-15,-21 10-31 16,-25 8-23-16,39 24-23 0,-7 0-229 15</inkml:trace>
-  <inkml:trace contextRef="#ctx0" brushRef="#br0" timeOffset="75869.4">12020 4929 52 0,'0'0'421'15,"0"0"-368"-15,0 0-43 16,0 0 11-16,0 0 2 16,0 0 8-16,0 0 2 15,-36-29-1-15,34 29 10 16,2 0 5-16,0 0 8 0,0 0-19 15,0 0-18 1,0 0-18-16,29 0-9 0,18 0-6 16,12 7 11-16,0 13-1 15,-12 8 4-15,-10 4 0 16,-10 2 1 0,-6 8 8-16,-8 4-2 0,-7 4 7 15,-2 2 5-15,6 1-14 16,1-7 4-16,7-4-7 15,4-6-2-15,5-8-8 16,-3-6-1-16,1-4-18 16,0-6 12-16,-4-2-7 15,2-6 8-15,-1-4 13 16,-2 0 4-16,0 0-3 0,-2-12 2 16,-5-6 3-16,-4 4-3 15,-2 6 5 1,-4 2-5-16,-3 0 7 0,0 0 5 15,0 6-8-15,0 0 3 16,-19 0-8-16,-3 0-23 16,-2 6 0-16,-1 12 15 15,1 6 8-15,1 6 1 16,1 4 0-16,0 4-1 16,-1 6 0-16,3 9 1 15,1-3-3-15,-2 4 4 16,4 2 4-16,-1-2-4 15,3 2 1-15,-2-8 2 16,5-8-2-16,0-10-3 16,3-7 3-16,-5-7-3 0,-3-2 1 15,-10 0 10-15,-13 0 17 16,-11-8-5-16,-9-4-23 16,-3-2-3-16,1 0-46 15,10 0-57-15,41 0-34 16,5 0-275-16</inkml:trace>
+  <inkml:trace contextRef="#ctx0" brushRef="#br0" timeOffset="75869.39">12020 4929 52 0,'0'0'421'15,"0"0"-368"-15,0 0-43 16,0 0 11-16,0 0 2 16,0 0 8-16,0 0 2 15,-36-29-1-15,34 29 10 16,2 0 5-16,0 0 8 0,0 0-19 15,0 0-18 1,0 0-18-16,29 0-9 0,18 0-6 16,12 7 11-16,0 13-1 15,-12 8 4-15,-10 4 0 16,-10 2 1 0,-6 8 8-16,-8 4-2 0,-7 4 7 15,-2 2 5-15,6 1-14 16,1-7 4-16,7-4-7 15,4-6-2-15,5-8-8 16,-3-6-1-16,1-4-18 16,0-6 12-16,-4-2-7 15,2-6 8-15,-1-4 13 16,-2 0 4-16,0 0-3 0,-2-12 2 16,-5-6 3-16,-4 4-3 15,-2 6 5 1,-4 2-5-16,-3 0 7 0,0 0 5 15,0 6-8-15,0 0 3 16,-19 0-8-16,-3 0-23 16,-2 6 0-16,-1 12 15 15,1 6 8-15,1 6 1 16,1 4 0-16,0 4-1 16,-1 6 0-16,3 9 1 15,1-3-3-15,-2 4 4 16,4 2 4-16,-1-2-4 15,3 2 1-15,-2-8 2 16,5-8-2-16,0-10-3 16,3-7 3-16,-5-7-3 0,-3-2 1 15,-10 0 10-15,-13 0 17 16,-11-8-5-16,-9-4-23 16,-3-2-3-16,1 0-46 15,10 0-57-15,41 0-34 16,5 0-275-16</inkml:trace>
   <inkml:trace contextRef="#ctx0" brushRef="#br0" timeOffset="80903.75">19241 5384 566 0,'0'0'76'0,"0"0"-47"16,0 0-25-16,0-12-2 15,0 10 12-15,0 2-8 16,0 0 3-16,18 0-8 16,11 0 9-16,11 0 7 15,2 14 8-15,2 10-5 16,2 10-3-16,-2 14-12 16,-1 10 3-16,-4 11-3 15,-3 5-1-15,-9 2 3 0,-7 2-5 16,-7-2 3-16,-4-4-3 15,-4-8 1-15,-1-7-2 16,1-9 0-16,8-6-1 16,7-6-4-16,9-6-2 15,9-8 4-15,7-5-1 16,-1-10 5-16,-2-7-4 16,-1 0 4-16,-8 0 3 15,-6-6 1-15,-8-4-5 16,-7 2 3-16,-5 2-1 15,-5 4 1-15,-2-2-2 16,0 2 7-16,0-4 4 16,-19 0 1-16,-4 4-12 15,-6 2-2-15,6 0 2 0,3 0 1 16,5 6-6-16,1 18 0 16,3 9 3-16,-3 8-4 15,3 4 0-15,5-1 4 16,-1 2-1-16,3 0-2 15,-1 4 3-15,-2 6 0 16,1 2 3-16,-1 3-4 16,-4-1 3-16,0-2-3 15,-2-2 3-15,-3-4-1 16,-3-4-1-16,-2-4 2 16,-8 0 0-16,-7 1-1 0,-7-4 1 15,-5 0-2-15,-1-5 0 16,4-8-27-1,10-8-28-15,12-12-53 0,23-8-46 16,0 0-331-16</inkml:trace>
   <inkml:trace contextRef="#ctx0" brushRef="#br0" timeOffset="84666.33">16287 6912 571 0,'0'0'96'0,"0"0"-58"16,0 0-18-16,0 0 4 15,0 0 7-15,0 0-12 16,0 0-16-16,2 8 0 16,-2-8-6-16,0 6 6 15,0 8 2-15,0 10 29 16,0 8-1-16,-9 6-11 15,0 2-3-15,4-4-1 16,5-1-15-16,0 1-3 16,0-4 1-16,17 0-2 15,9 0-1-15,6 0 2 0,3-2 0 16,7-2 1 0,0-4-3-16,5-4 6 0,-3-4 7 15,1-8-10-15,-5-2 4 16,0-6-4-16,1 0 4 15,-6 0-2-15,1-12 4 16,-3-8-1-16,1 2-5 16,-1-4 5-16,6 2-5 15,-4 0 0-15,3 4 1 16,-1 2-4-16,1-2 2 16,5 2 0-16,-1-4 0 0,5 2 1 15,-3-1 0-15,-1 3 1 16,-5 0-4-16,-5 5 4 15,-8 5-3-15,-6-1 2 16,-3 5-2-16,2 0 0 16,2 0 1-16,5 0-1 15,2 9 4-15,2 7-6 16,2 4 6-16,0 2-6 16,-2 2 6-16,-3 4-4 15,-6 2 2-15,-4 0-1 16,-5 0 3-16,-6-2-2 15,-5 0 4-15,0-2-5 0,0-6 1 16,0-6 2 0,0-5-4-16,0-8 2 0,0-1-1 15,0 0 0-15,0 0 0 16,0 0 1-16,0 0 2 16,0 0 4-16,-3 0-7 15,1-8 0-15,2-2-2 16,0-5-2-16,0-12-2 15,2-5-2-15,21 0 3 16,4 0 2-16,2 4 0 16,2 2 4-16,2 4-2 15,1 2 2-15,1 4 1 16,3 6-2-16,-1-1 2 16,6 8-1-16,-1 1-1 15,1 2 4-15,-5 0-2 16,-3 0-3-16,-3 5 4 0,-1 8-5 15,-4 1 4-15,2-2-3 16,-2-2 1-16,4-4 0 16,2-4 0-16,5-2 1 15,4 0-4-15,1-12 6 16,1-14-3-16,-9-2 0 16,-4-4 0-16,-4 4 1 15,-11 3 1-15,-5 10-2 16,-7 1 2-16,1-1-5 15,-1 3-2-15,1-8 1 16,-2-4-38-16,-3 6-68 16,0 10-115-16,0 6-350 15</inkml:trace>
   <inkml:trace contextRef="#ctx0" brushRef="#br0" timeOffset="115093.69">20723 8602 753 0,'0'0'58'0,"0"0"-35"16,0 0-17-16,0 0 14 15,0 0-5-15,0 0 1 16,13 0-15-16,30 0 1 15,19-12-2-15,20 4 3 16,21 2 6-16,15-2-9 16,18 2 4-16,24 0-4 15,18-2 4-15,23 0-3 16,18 8 1-16,5 0-1 16,10 0 0-16,-4 0-2 15,-8 0 5-15,-1 0-8 16,-11 0 8-16,-1 0-7 0,7 0 6 15,3 6-2 1,3-4-1-16,2 0 1 0,-8-2-1 16,-12 0 0-16,-7 0-2 15,-22 0 4-15,-12 0-3 16,-16 0 3-16,-6 0-2 16,-6 0 2-16,-3-2 0 15,4 0-1-15,1 0 2 16,11 2-1-16,8-2 2 15,9 0-8-15,6 0 8 16,1-2-6-16,1 4 4 0,4 0-2 16,-3 0 0-16,-1 0 1 15,1 0-2-15,-4 4 4 16,-1 4-8-16,3-2 7 16,5-4-4-16,-1-2-2 15,-4 0 0-15,-5 0-1 16,-15 0 3-16,-14 0-1 15,-20 0 2-15,-23 0-4 16,-18 0 6-16,-15 0-2 16,-6 4 2-16,-12 0-3 15,-6-2 3-15,-14-2-1 16,-10 0 0-16,-9 0-3 16,-5-2-37-16,-7-10-77 0,-26-8-70 15</inkml:trace>
@@ -1660,9 +1661,9 @@
   <inkml:trace contextRef="#ctx0" brushRef="#br0" timeOffset="163521.47">12746 16415 494 0,'0'0'159'0,"-4"-109"-130"15,4 96-29-15,0 10-28 0,0 3-134 16,9 4-320-16</inkml:trace>
   <inkml:trace contextRef="#ctx0" brushRef="#br0" timeOffset="164317.81">12946 16567 746 0,'0'0'277'0,"0"0"-262"0,0 0-9 15,0 0 30 1,0 0-36-16,0 0-13 16,-79 84-6-16,74-72-10 0,3-6-1 15,2-6 30-15,0 0-11 16,9 0-40-16,14-6 4 16,0-16 39-16,2 0 8 15,-5 4 2-15,-5 4 9 16,-7 10-1-16,-4 4 13 15,-4 0-3-15,0 14 9 16,2 26 39-16,3 9-53 16,1 5-15-16,3-10-22 15,0-12-26-15,2-10-49 16,-2-22-26-16,3 0-53 0,-2-30-18 16,-1-33-27-1,1-9 172-15,-6-8 49 16,-4-10 29-16,0 6 68 0,0-1 45 15,0 13-2-15,0 18-65 16,0 18-8 0,4 20 6-16,3 16-43 0,-1 8-6 15,8 40 11-15,1 24 36 16,3 23-48-16,0 3-1 16,-2 4-19-16,-5 0-2 15,-2-7-1-15,-7-9-36 16,-2-20-24-16,0-18-42 15,0-16-42-15,-11-20-62 0,-9-12-50 16,2-12 234 0,3-32-7-16,1-2 58 0,5 2 224 15,5 18-42-15,4 8-63 16,0 18-61-16,0 0-62 16,27 0-17-16,15 12-6 15,7-2 13-15,8-6-15 16,6-4 0-16,6-14-1 15,5-24-1-15,-8-8 2 16,-10-3 25-16,-18 9-8 16,-18 8-17-16,-16 14 5 15,-4 4-1-15,0 10 56 16,-24 4 33-16,0 0-31 16,2 0-10-16,5 10-29 0,9 8-11 15,3 8-6-15,5 2 2 16,0 7-8-16,23-4-6 15,15-4-4-15,12-9 8 16,16-8-39-16,13-10-38 16,13-6-37-16,6-38 53 15,-63 12 26-15,-1-4-174 16</inkml:trace>
   <inkml:trace contextRef="#ctx0" brushRef="#br0" timeOffset="165133.97">14664 15003 798 0,'0'0'133'0,"0"0"-123"16,0 0-1-16,0 0 44 16,0 0-53-16,0 0-7 15,56 102 7-15,-4-21 57 16,6-5-23-16,-1-6-19 16,-3-6-12-16,-3-16 2 15,-7-8-5-15,-3-12 1 16,-5-20-1-16,-3-8-15 15,7 0-17-15,7-36-30 0,8-22 59 16,3-12 3-16,0-6 19 16,-4 8-10-16,-8 10-5 15,1 13 2-15,-5 19-4 16,-3 20-2-16,-3 6-8 16,-3 24 3-16,0 29 5 15,-4 11 7-15,2-2 25 16,-2-4-14-16,-4-10-16 15,-3-8 2-15,-2-4-3 16,-2-14 3-16,0-6-8 16,0-4 3-16,-1-12-12 15,4 0-48-15,-3-14-16 16,1-22 52-16,-3-8 25 16,-3-6 2-16,3-2 4 15,2 2 11-15,4 6 0 0,9 8 13 16,9 13-19-16,9 7-4 15,7 14-7-15,9 2 11 16,4 0 1-16,2 14-4 16,7-4 7-16,0-10-8 15,7 0 5-15,-7-10 0 16,-5-26-2-16,-17-4-4 16,-14 0 3-16,-15 0-8 15,-13 6-2-15,-12 4-17 16,-2 4-40-16,-12 14-2 0,-13 12-85 15,-8 0-121 1</inkml:trace>
-  <inkml:trace contextRef="#ctx0" brushRef="#br0" timeOffset="165717.38">15616 16370 634 0,'0'0'314'16,"0"0"-293"-16,0 0-14 16,0 0 42-16,0 0-49 15,-75 139-25-15,96-101 5 16,8-10 6-16,2-10 13 16,1-10-10-16,-3-8-21 15,-2 0 17-15,-1-22 7 16,-3-14 5-16,-4-4 3 15,-3-12 15-15,-9-6-11 0,-5-6 2 16,-2-7-1-16,0-1 14 16,0-2-1-16,0 14 1 15,0 16 3-15,0 17-4 16,0 18 5-16,0 9-13 16,0 0 15-16,0 0-11 15,0 0 7-15,2 18-1 16,14 18-13-16,2 12-1 15,-2 20 4-15,-1 2 7 16,-4 6-7-16,-2-3 9 16,0-7-18-16,-3-8 0 15,0-4-1-15,-2-10-6 16,0-4-48-16,-2-12-48 16,-2-28-61-16,0 0-150 0</inkml:trace>
+  <inkml:trace contextRef="#ctx0" brushRef="#br0" timeOffset="165717.37">15616 16370 634 0,'0'0'314'16,"0"0"-293"-16,0 0-14 16,0 0 42-16,0 0-49 15,-75 139-25-15,96-101 5 16,8-10 6-16,2-10 13 16,1-10-10-16,-3-8-21 15,-2 0 17-15,-1-22 7 16,-3-14 5-16,-4-4 3 15,-3-12 15-15,-9-6-11 0,-5-6 2 16,-2-7-1-16,0-1 14 16,0-2-1-16,0 14 1 15,0 16 3-15,0 17-4 16,0 18 5-16,0 9-13 16,0 0 15-16,0 0-11 15,0 0 7-15,2 18-1 16,14 18-13-16,2 12-1 15,-2 20 4-15,-1 2 7 16,-4 6-7-16,-2-3 9 16,0-7-18-16,-3-8 0 15,0-4-1-15,-2-10-6 16,0-4-48-16,-2-12-48 16,-2-28-61-16,0 0-150 0</inkml:trace>
   <inkml:trace contextRef="#ctx0" brushRef="#br0" timeOffset="165846.24">16127 16312 571 0,'0'0'313'15,"0"0"-199"-15,0 0-55 16,0 0-37-16,29 137-22 16,-23-79-101-16,-6-38-90 15,2-12-204-15</inkml:trace>
-  <inkml:trace contextRef="#ctx0" brushRef="#br0" timeOffset="165972.38">16249 16000 969 0,'0'0'44'0,"0"0"-44"16,0 0-37-16,0 0-42 15,0 0-306-15</inkml:trace>
+  <inkml:trace contextRef="#ctx0" brushRef="#br0" timeOffset="165972.37">16249 16000 969 0,'0'0'44'0,"0"0"-44"16,0 0-37-16,0 0-42 15,0 0-306-15</inkml:trace>
   <inkml:trace contextRef="#ctx0" brushRef="#br0" timeOffset="166207.59">16249 16000 666 0,'92'150'245'16,"-96"-128"-219"-16,4 6 37 0,0 6-5 16,19 8-58-16,-1-2-6 15,-9-5 5-15,-9 1 2 16,0-8 6-16,0-2 7 15,-5-4 70-15,-7-12-21 16,2-2-41-16,1-4-16 16,-3-4-6-16,-1 0-3 15,-5-12-78-15,1-16-64 16,1-6-27-16,14 20-106 16,2 0-95-16</inkml:trace>
   <inkml:trace contextRef="#ctx0" brushRef="#br0" timeOffset="166685.7">16752 16120 85 0,'0'0'748'0,"0"0"-687"15,0 0-9-15,0 0 15 16,0 0-44-16,-97 128-23 15,94-88-5-15,3-3 1 16,0-10-30-16,9-10-1 16,22-11-49-16,11-6-18 15,10-14-35-15,-3-17 102 16,-7-6-13-16,-13 2 14 0,-14 7 34 16,-5-6 2-16,-10 10 77 15,0 8 2-15,0 10 0 16,0 6-40-16,0 0 22 15,-7 24-17-15,-2 16-41 16,4 4-6-16,5 4 4 16,0-11-4-16,5-5 3 15,22-14-4-15,6-10 0 16,2-8-11-16,-3 0-26 16,-6-18 23-16,-9-4 2 15,-11-10 14-15,-6 1 0 16,0-5 14-16,-4-4 26 15,-21-4-4-15,0 4-5 16,1 4-27-16,0 10-4 0,1 16-28 16,-1 10-67-1,13 0-121-15,1 8-181 0</inkml:trace>
   <inkml:trace contextRef="#ctx0" brushRef="#br0" timeOffset="167250.49">17309 16066 203 0,'0'0'646'15,"0"0"-632"-15,0 0-1 16,0 0 49-16,0 0-62 16,9 106-23-16,20-96-4 15,2-10-12-15,-2 0-6 16,-2 0 22-16,-4-14 16 16,-6-8 7-16,-3 0 27 15,-3 0 15-15,-7 4-24 16,-2 8-4-16,0 10-14 15,-2 0-6-15,0 0-21 0,0 0-9 16,0 0 36-16,0 0 22 16,0 0-15-16,5 2 0 15,0 6-3-15,3 0-3 16,1 6-1-16,5-4 0 16,-3 6-22-16,1-6-37 15,-2-2 6-15,1-8 14 16,3 0 7-16,-5 0-32 15,1-8 58-15,0-10 6 16,-1-4 47-16,1 4 14 16,0 8-9-16,-1 6-32 15,-3 4-20-15,1 10-8 16,-1 26 8-16,6 8 31 16,-1-8-31-16,3-6-15 0,3-20-13 15,1-10-42-15,-1 0-43 16,-15-18-113-16</inkml:trace>
@@ -1735,91 +1736,6 @@
   <inkml:trace contextRef="#ctx0" brushRef="#br0" timeOffset="121014.13">23233 5332 465 0,'0'0'88'16,"0"0"-38"-16,0 0 4 16,0 0-43-16,0 0-9 0,0 0 0 15,114-14 1-15,-72 14 6 16,-1-2-5-16,-5 2 5 16,-7 0-7-16,-12 0-2 15,-5 0-2-15,-12 0-23 16,0 8-101-16,-5-3-54 15,-19 6-76-15</inkml:trace>
   <inkml:trace contextRef="#ctx0" brushRef="#br0" timeOffset="121170.1">23187 5476 203 0,'0'0'292'0,"0"0"-232"15,0 0-4-15,0 0-3 16,0 0-27-16,127 10-4 15,-85-12-22-15,-6 2-5 16,-8-4-89-16,-24 2-78 16,-4-6-232-16</inkml:trace>
   <inkml:trace contextRef="#ctx0" brushRef="#br0" timeOffset="121535.67">23885 5125 412 0,'0'0'132'0,"0"0"-52"16,0 0 2-16,0 0-30 15,0 0 2-15,0 0-40 16,31-36-14-16,-51 60 0 16,-5 20 3-16,-6 19-1 15,4 6 0-15,12 0-2 16,13-5-2-16,2-8-6 15,0-6-4-15,31-8 12 16,15-6 1-16,14-11 10 16,11-14-7-16,10-11 7 15,-3 0-10-15,-9-36 12 16,-9-20-1-16,-9-22 1 0,-10-18 18 16,-17-9-12-16,-19 7-5 15,-5 20-14-15,-39 26-11 16,-30 24-7-1,-29 26 16-15,-26 2-22 0,-17 50-46 16,81-12-70-16,7 2-119 16</inkml:trace>
-</inkml:ink>
-</file>
-
-<file path=ppt/ink/ink5.xml><?xml version="1.0" encoding="utf-8"?>
-<inkml:ink xmlns:inkml="http://www.w3.org/2003/InkML">
-  <inkml:definitions>
-    <inkml:context xml:id="ctx0">
-      <inkml:inkSource xml:id="inkSrc0">
-        <inkml:traceFormat>
-          <inkml:channel name="X" type="integer" max="32767" units="cm"/>
-          <inkml:channel name="Y" type="integer" max="32767" units="cm"/>
-          <inkml:channel name="F" type="integer" max="2047" units="deg"/>
-          <inkml:channel name="T" type="integer" max="2.14748E9" units="dev"/>
-        </inkml:traceFormat>
-        <inkml:channelProperties>
-          <inkml:channelProperty channel="X" name="resolution" value="2155.72363" units="1/cm"/>
-          <inkml:channelProperty channel="Y" name="resolution" value="3449.15796" units="1/cm"/>
-          <inkml:channelProperty channel="F" name="resolution" value="5.68611" units="1/deg"/>
-          <inkml:channelProperty channel="T" name="resolution" value="1" units="1/dev"/>
-        </inkml:channelProperties>
-      </inkml:inkSource>
-      <inkml:timestamp xml:id="ts0" timeString="2021-05-11T02:12:55.183"/>
-    </inkml:context>
-    <inkml:brush xml:id="br0">
-      <inkml:brushProperty name="width" value="0.05292" units="cm"/>
-      <inkml:brushProperty name="height" value="0.05292" units="cm"/>
-      <inkml:brushProperty name="color" value="#FF0000"/>
-    </inkml:brush>
-  </inkml:definitions>
-  <inkml:trace contextRef="#ctx0" brushRef="#br0">21803 11827 701 0,'0'0'43'0,"0"0"-36"16,0 0 10-16,0 0 43 0,0 0-14 15,0 0-23-15,-35-6-6 16,35 6-14-16,0 0-1 15,0 0 9-15,0 0 13 16,0 0 11-16,0 0-1 16,0 0-23-16,0 0 0 15,0 0-10-15,0 0-1 16,0 0-5-16,11 0-2 16,36 8 7-16,33 14 2 15,36 0 20-15,29-6-6 0,30-4 19 16,20-6-5-1,19-2-8-15,8-4-14 0,1 0-4 16,-9 0-3 0,-13 0 3-16,-14-10-4 0,-25-6 2 15,-21-2-4-15,-32 0 2 16,-31 2-1-16,-25 4 1 16,-22 3-2-16,-15 6 4 15,-12 1-2-15,-4 2 7 16,0 0-1-16,0 0-6 15,0 0-50-15,-18-16-44 16,-1 4-132-16,-4-2-424 16</inkml:trace>
-  <inkml:trace contextRef="#ctx0" brushRef="#br0" timeOffset="5215.72">15772 5101 458 0,'0'0'81'16,"0"0"-55"-16,0 0-26 15,0 0-6-15,0 0-10 16,0 0-7-16,0 0 22 0,0 0 1 16,83 52 19-16,-57-14 5 15,1 6 1-15,7 13-19 16,6 11 1-16,9 4 2 16,10 4-4-16,9-2 4 15,9-6-8-15,8-7 3 16,7-13 0-16,3-14 3 15,3-18-2-15,2-14 29 16,8-2 3-16,-6-6-19 16,5-24-3-16,2-4-5 15,3-7 0-15,12-2-5 16,10-1 2-16,7-5-4 16,4 5 1-16,5 0-3 0,-2 6 0 15,-8 4 1-15,-4 4-2 16,-11 8 2-16,-5-1 0 15,-4 8-1-15,-4 3-1 16,-10 3-1-16,-2 8 1 16,-4 1-2-16,-5 0-4 15,-2 19 0-15,-6 14 3 16,-5 7 3-16,-9 4-2 16,-6 2 4-16,-6 2-2 15,-4-2 1-15,1 0 1 16,-4-1-2-16,-6-7 2 15,-9-2-2-15,-8-4 1 0,-9-8-2 16,-3-4 0-16,-6-8 1 16,-1-2 0-16,0-6 0 15,-4-4 0-15,5 0-1 16,5 0 1-16,5 0 0 16,10-22 15-16,7-10-6 15,9-8-2-15,9-2-1 16,12-7 0-16,16-1-3 15,17-2-3-15,16-2 0 16,11-2 0-16,9 6-1 16,11 8-4-16,5 12 4 15,5 14-5-15,-4 12 2 0,1 4 2 16,-4 0 2-16,0 14-1 16,7 4 1-16,8-2 1 15,4-8 2-15,9-2-3 16,5-6 3-16,3 0-3 15,5-4 0-15,-5-16 1 16,-7-3 0-16,-11 1-1 16,-7-1-11-16,-11 5 7 15,-8 1 3-15,-16 2-2 16,-21 2 3-16,-21-5-1 16,-14 2 0-16,-9 0 1 15,-6 0 0-15,-8 2-3 16,-7-8-39-16,-39 10-58 0,0-8-94 15</inkml:trace>
-  <inkml:trace contextRef="#ctx0" brushRef="#br0" timeOffset="8682.74">17980 3735 341 0,'0'0'113'0,"0"0"-78"16,0 0-8-16,0 0-5 16,0 0-11-16,0 0 22 15,0 0-4-15,-8-8-11 16,0 8 1-16,-9 0 5 15,-12 0-6-15,-14 0-18 16,-12 12-4-16,1 6 0 16,-2-1 3-16,7-3 2 15,7 0-1-15,2 2 0 0,3 2 0 16,0 10 0 0,4 10-5-16,2 10 3 0,7 12-6 15,10 11 2-15,5-2-2 16,9 0 5-16,0-9-4 15,5-10-2-15,15 0 1 16,-1-4 8-16,0 3 1 16,-2 1 0-16,3 0 4 15,3 2-3-15,8-2-2 16,13-4-1-16,16-8-5 16,17-7 6-16,12-8 2 15,11-9 9-15,0-8 19 16,0-6-17-16,-7 0-4 0,-8-16-4 15,-8-8 1 1,-13 0 0-16,-2-4 2 0,-1-6-7 16,-3-4 5-16,-3-4-5 15,-6-6 5-15,-9 0-5 16,-13-3 4-16,-7 0 1 16,-9-6-2-16,-7 3 15 15,-4 2-4-15,0-2 5 16,0 0-7-16,-19 0-5 15,-6 1-8-15,0 7 0 16,1 4 2-16,-1 4 4 16,3 8-5-16,0 6-2 0,1 8-15 15,2 4-4 1,-1 6-31-16,-3 2-50 0,17 4-21 16,-5 0-120-1</inkml:trace>
-  <inkml:trace contextRef="#ctx0" brushRef="#br0" timeOffset="13179.58">19958 12665 327 0,'0'0'625'0,"0"0"-625"15,-135 2-21-15,92 18 21 16,5 8 38-16,3 10 7 15,-3 16-22-15,-3 15-21 16,-3 13 0-16,-7 14 5 16,-14 22 0-16,-14 26-6 15,-22 27-1-15,-18 24-1 16,-10 13-8-16,-10 3 9 16,-4-13-10-16,0-9 6 15,3-17-9-15,6-7 3 0,9-1 8 16,5-6 0-1,2-3 1-15,2-17-22 0,8-21 0 16,11-19 22-16,5-18 1 16,10-18 9-16,8-12 9 15,8-10 0-15,8-4 3 16,9-1-9-16,11-3 1 16,6 8-13-16,9 4 0 15,0 10-9-15,3 8-5 16,-5 2 8-16,1-6-12 15,-3-9 16-15,5-9-8 16,4-14 5-16,9-8-3 0,5-12-3 16,1-6-2-1,3 0-4-15,0 0-20 0,-4-22-28 16,-4-28-22 0,2 18-68-16,6-13-128 0</inkml:trace>
-  <inkml:trace contextRef="#ctx0" brushRef="#br0" timeOffset="17507.96">16924 4855 421 0,'0'0'58'16,"0"0"-40"-16,0 0-4 15,0 0-10-15,0 0-4 16,0 0 3-16,-43-14-3 16,43 14-13-16,0 0 4 15,0 0 1-15,-2 4 6 16,-2 18 0-16,2 6 2 15,2 6 0-15,0 4 1 16,2 6-1-16,29 10 3 0,11 2 0 16,10 10-2-1,8 3 2-15,4-3 0 0,3-6 2 16,2-14-3-16,-4-14 0 16,-2-10-1-16,-3-8 7 15,-3-8 26-15,1-2-19 16,0-4 12-16,0 0-7 15,0 0-4-15,5 0-13 16,3-16 5-16,3-4-3 16,3-6-1-16,-1-6 3 15,0 0-7-15,-1-2 2 16,1-5 0-16,0 6 2 16,3 1-4-16,3 1 0 15,2 7 1-15,-4 6-1 0,1 2 0 16,-11 6-2-16,-5 6 2 15,-11 0-2-15,-2 4 1 16,-1 0-1-16,4 0 1 16,8 0-2-16,4 10 2 15,7 4-3-15,0 0 4 16,-3 0-1-16,2 1 4 16,-1-4-1-16,-3 3-2 15,-4 1 2-15,-6 3-2 16,-8 6 0-16,-8 3 0 15,-5 6-6-15,1 1 0 16,-3 4 5-16,3 0 0 16,-3-2 2-16,-3 0 0 0,-3-2 0 15,-4 2-2-15,-9 7-1 16,-4 9-3-16,-8 0 3 16,0 4 2-16,0-6 3 15,0-10 1-15,0-12 0 16,0-14-3-16,0-6-2 15,0-6 1-15,0-2 0 16,0 0 0-16,0 0 0 16,0-4 8-16,21-22 2 15,15-16 10-15,16-14-11 16,10-12 0-16,19-4-9 16,12 1 5-16,1 1-5 0,8 6 0 15,-4 6-2 1,7 8 3-16,4 10-5 15,0 12 4-15,-2 10-1 0,-8 14-5 16,-6 4 0-16,1 0-3 16,1 8 9-16,5 7-1 15,5 2 1-15,2-7 5 16,0-6-4-16,4-3 1 16,10 2-1-16,-1 1 1 15,5 2-1-15,-14 6-2 16,-4 0 1-16,-3 0-1 15,0 0 1-15,0-2 0 16,-2-2 0-16,-3-6 2 16,-1-2-1-16,-5 0-1 15,-3-4 5-15,-1-20-3 0,-3-20 2 16,1-19 6-16,4-9-1 16,-8-2 5-16,-10 16-14 15,-13 16 4-15,-20 18-1 16,-15 10-2-16,-9 8 4 15,-9 4-1-15,-7 2-4 16,4 0-3-16,-4-2 2 16,0 0-46-16,0-4-187 15</inkml:trace>
-</inkml:ink>
-</file>
-
-<file path=ppt/ink/ink6.xml><?xml version="1.0" encoding="utf-8"?>
-<inkml:ink xmlns:inkml="http://www.w3.org/2003/InkML">
-  <inkml:definitions>
-    <inkml:context xml:id="ctx0">
-      <inkml:inkSource xml:id="inkSrc0">
-        <inkml:traceFormat>
-          <inkml:channel name="X" type="integer" max="32767" units="cm"/>
-          <inkml:channel name="Y" type="integer" max="32767" units="cm"/>
-          <inkml:channel name="F" type="integer" max="2047" units="deg"/>
-          <inkml:channel name="T" type="integer" max="2.14748E9" units="dev"/>
-        </inkml:traceFormat>
-        <inkml:channelProperties>
-          <inkml:channelProperty channel="X" name="resolution" value="2155.72363" units="1/cm"/>
-          <inkml:channelProperty channel="Y" name="resolution" value="3449.15796" units="1/cm"/>
-          <inkml:channelProperty channel="F" name="resolution" value="5.68611" units="1/deg"/>
-          <inkml:channelProperty channel="T" name="resolution" value="1" units="1/dev"/>
-        </inkml:channelProperties>
-      </inkml:inkSource>
-      <inkml:timestamp xml:id="ts0" timeString="2021-05-11T02:13:33.459"/>
-    </inkml:context>
-    <inkml:brush xml:id="br0">
-      <inkml:brushProperty name="width" value="0.05292" units="cm"/>
-      <inkml:brushProperty name="height" value="0.05292" units="cm"/>
-      <inkml:brushProperty name="color" value="#FF0000"/>
-    </inkml:brush>
-  </inkml:definitions>
-  <inkml:trace contextRef="#ctx0" brushRef="#br0">5412 1380 672 0,'0'0'6'16,"0"0"20"-16,0 0-18 16,0 0-6-16,0 0 18 15,0 0-8-15,-50 0-12 16,59 0 0-16,22-9 2 16,23-11 4-16,22-8 2 15,20-10 3-15,22-6-8 16,18-4 2-16,24 0-1 15,12 6-5-15,3 4 4 16,-7 10-6-16,-21 10 3 0,-14 1-2 16,-6 5 2-1,-2-2 0-15,14-2-2 0,10-8 6 16,22-2-6-16,34-2 4 16,18-2 1-16,24 4-2 15,1 2 0-15,-16 8-2 16,-16 6 3-16,-20 0-4 15,-12 0 5-15,8-6-6 16,15-8 3-16,22-11 0 16,21-2 0-16,9-4 0 15,-3 1 0-15,-22 12 4 16,-32 8-4-16,-28 10 4 16,-28 8-7-16,-17 0 4 0,31-2-2 15,12-4 2 1,11-4-1-16,17-4 11 15,-20 2 5-15,3 4-7 16,-9 4-2-16,-11 2 0 16,-12 2-5-16,-4 2-2 0,7-2 0 15,9 0 2 1,13-2-1-16,6-4-2 0,12 0 2 16,8 2-1-16,-5 6 0 15,-6 0 7-15,-8 0-2 16,-7 0-4-16,-9 0-1 15,0 0 2-15,-4 0-4 16,2 0 4-16,9 0-2 16,-3 10 9-16,5 6-3 15,-7 2 8-15,3 6-14 16,0 4 8-16,-5 6-6 16,-3 2 2-16,-8 4-3 15,-6 3-1-15,-8-3 0 0,1-3 0 16,2-2 0-1,-2-7 4-15,-4 0-4 0,-11-4 1 16,-15 0-1-16,-15-2 5 16,-11 0 3-16,-8 2 5 15,-11 0-2-15,-7 0 1 16,-8 1-4-16,3 0 8 16,-5 1-14-16,3-1 8 15,-8-6 2-15,-12-6 7 16,-12-5-7-16,-13-6-4 15,-7-2-4-15,-2 0-2 0,0 0 0 16,0 0-2 0,0-27-101-16,-16 5-72 15,-4-6-420-15</inkml:trace>
-  <inkml:trace contextRef="#ctx0" brushRef="#br0" timeOffset="899.47">19050 1376 508 0,'0'0'89'15,"0"0"-42"-15,0 0-17 16,0 0-19-16,0 0-10 15,-3 19 8-15,3 2-8 0,0 2 9 16,3 5 19-16,3-1-16 16,1-5-5-16,-3 0-2 15,0-2-1-15,1-4-5 16,2-2-53-16,6-8-73 16,-11-6-121-16</inkml:trace>
-  <inkml:trace contextRef="#ctx0" brushRef="#br0" timeOffset="1133.13">19328 1289 512 0,'0'0'206'0,"0"0"-131"15,0 0-72-15,0 0-3 16,0 0-5-16,0 0 4 15,-7 76 1-15,7-40 0 16,0-3 0-16,7-5-22 16,6-5-39-16,6-5-27 15,-13-18-40-15,3 0-147 16</inkml:trace>
-  <inkml:trace contextRef="#ctx0" brushRef="#br0" timeOffset="1616.97">19680 1199 621 0,'0'0'121'0,"0"0"-78"16,0 0-11-16,0 0-32 16,0 0-15-16,0 0 3 15,4 56 12-15,-4 8 25 16,0 8-7-16,-2-1-8 15,-4-1 5-15,-1 0-7 16,3-6-7-16,-4-4 6 16,2-8-6-16,0-10 0 15,1-11 0-15,3-13-1 16,2-10 0-16,0-8-1 0,0 0-10 16,0 0-4-16,0-13 14 15,7-20 1-15,8-11 0 16,5-5-7-16,7 9 4 15,6 8-3-15,5 6 3 16,3 4 3-16,-4 6 4 16,-1 6-3-16,-9 6 3 15,-8 4-2-15,-5 0-2 16,-5 4-2-16,-5 22 2 16,-2 10 8-16,-2 8 29 15,0 4-17-15,-2 0-8 16,-23-1-6-16,-1-3-2 15,-10-2-1-15,-6-4 1 0,-8-4-4 16,2-10-27-16,1-8-58 16,34-16-98-16,4 0-115 15</inkml:trace>
-  <inkml:trace contextRef="#ctx0" brushRef="#br0" timeOffset="2000.58">20156 1801 563 0,'0'0'75'16,"0"0"-11"-16,157-55-7 16,-90 33-39-16,-3-2 7 0,-8 0-13 15,-9 4-1-15,-16 0-9 16,-9 2 4-16,-11 4 2 15,-7 2 40-15,-4 4 7 16,0 4-9-16,0 2-10 16,-23 2-22-16,-6 0-14 15,-5 2-12-15,-4 22 12 16,2 4 0-16,5 2 6 16,6 0 0-16,6 2-1 15,5-1 3-15,14 1-7 16,0-3-1-16,0 1-6 0,18-2-2 15,11-3 0 1,7-3-1-16,8-8 6 0,-1-6-18 16,1-8-38-16,-30 0-87 15,-6 0-130-15</inkml:trace>
-  <inkml:trace contextRef="#ctx0" brushRef="#br0" timeOffset="2466.67">21257 1502 368 0,'0'0'154'0,"0"0"-31"16,0 0-39-16,0 0-24 15,0 0 16-15,0 0-10 16,-44 18-58-16,-1-6-7 15,3 4-1-15,7 0 6 0,12 2-1 16,12 0-5-16,11 2-21 16,0 4 9-16,2 4 4 15,25 0-3-15,2 0 11 16,-3-4 2-16,-8-6 14 16,-11-4-6-16,-7-6 9 15,0 5-2-15,-4-2 11 16,-32 4 9-16,-11 3-12 15,-6-7-25-15,6-8-47 16,11-3-95-16,30 0-129 16</inkml:trace>
-  <inkml:trace contextRef="#ctx0" brushRef="#br0" timeOffset="2799.1">21415 1109 449 0,'0'0'407'0,"0"0"-324"16,0 0-32-16,0 0-51 16,0 0-26-16,0 0 2 15,27 100 24-15,-27-28 16 16,0 0-6-16,-2 1-2 15,-7-7 7-15,3-2 11 16,4-6-18-16,2-8-1 0,0-6-7 16,13-6-1-16,18-8-6 15,4-5 6-15,8-13 0 16,1-9 0-16,-2-3-23 16,-3-6-42-16,-32-13-70 15,-7-10-167-15</inkml:trace>
-  <inkml:trace contextRef="#ctx0" brushRef="#br0" timeOffset="2946.19">21413 1391 743 0,'0'0'187'16,"0"0"-82"-16,0 0-79 15,0 0-23-15,179-64-3 16,-88 46-16-16,-58 10-150 15,-6-4-146-15</inkml:trace>
-  <inkml:trace contextRef="#ctx0" brushRef="#br0" timeOffset="3156.69">22107 814 437 0,'0'0'262'0,"0"0"-262"0,0 0 0 15,0 136 0-15,-12-76 11 16,-3 3-7-16,-6-8-4 16,13-40-70-16,-1-7-211 15</inkml:trace>
-  <inkml:trace contextRef="#ctx0" brushRef="#br0" timeOffset="3332.28">22283 910 817 0,'0'0'25'0,"0"0"3"15,-29 106 24-15,-4-35-38 16,-4-3-14-16,24-46-32 15,4-8-265-15</inkml:trace>
-  <inkml:trace contextRef="#ctx0" brushRef="#br0" timeOffset="20296.44">11833 4896 502 0,'0'0'7'0,"149"-19"-7"0,-80 16 0 15,7 3 0-15,2 0 8 16,9 0-2-16,8 3 13 16,11 6-11-16,7 1 7 15,5-6 11-15,9-4 8 16,5 0-1-16,6 0-13 16,-3 0 1-16,-3-1-15 15,-7-6 7-15,-2 0-13 16,1-4 2-16,10 0 0 15,4-6-1-15,2-2 6 16,1 1 0-16,-1-5 3 16,-2 5-5-16,-9 4 0 15,-8 6-4-15,-13 6 2 16,-9 2-3-16,-11 0 0 0,-9 0-2 16,-10 0 0-16,-3 10-1 15,6-4 5-15,8-2-5 16,14-4 6-16,7 0-3 15,3 0 2-15,-4 0 0 16,-13 0 0-16,-16 0 0 16,-19 0-4-16,-17 0 3 15,-17 0-2-15,-9 0-3 16,-5 0-4-16,-4 0 3 16,0 10-19-16,0 2-56 15,0-7-83-15,0-5-86 16</inkml:trace>
-  <inkml:trace contextRef="#ctx0" brushRef="#br0" timeOffset="22162.49">16407 4810 577 0,'0'0'49'0,"0"0"-41"15,0 0-4-15,0 0-2 16,0 0 2-16,0 0-3 15,0 0 3-15,73-4 2 16,-21 4-2-16,12 0-4 16,21 0 5-16,26 0 6 15,28 0-3-15,25 0 10 16,23 0-8-16,10 0 6 16,3-6 15-16,-4 4-13 15,-13 0-14-15,-11 2-1 0,-12 0-1 16,2 0 1-16,-3 0-2 15,4 0-1 1,3 0 0-16,-2 0 2 0,-2 0-5 16,-4 0 5-16,-8 0-4 15,-17 0 3-15,-11 2-1 16,-14 6 1-16,-12-2 0 16,-5 0-2-16,7 0 4 15,6-2-5-15,14-1 4 16,9-2-4-16,2 1 3 0,1 0-1 15,-9 4 1-15,-10-3-1 16,-18 2 0-16,-17 0 2 16,-19-4-5-16,-9 3 3 15,-6 0 0-15,5-1 0 16,15 1-3-16,14-4 6 16,11 2-2-16,8 2 5 15,-1-3-3-15,-1 3 3 16,-3 5-5-16,-3-4-2 15,-7 4 2-15,0-4 0 16,1-2 1-16,1-2-3 16,12 2 1-16,8-3 0 0,12 0 0 15,1 0 2 1,-3 1-3-16,-12 6 2 0,-15-1-1 16,-12-1 1-16,-3 2-1 15,-4-1 0-15,8-2 0 16,10-2 0-16,10-2 2 15,12 0-2-15,11 0 4 16,-1 0-6-16,-12 0 5 16,-17 0-6-16,-25 0 3 15,-12 0 0-15,-8 0 0 16,5 0 0-16,11 0-2 16,11 0 4-16,16 0-4 15,8 0 4-15,10 0-4 16,1 2 4-16,-3 4-3 15,-8 0 1-15,-5 0 0 16,-7-2 0-16,4 0 5 16,4-2-7-16,14 0 4 0,15 0-3 15,13-2 2-15,8 4 0 16,1 0 0-16,-2 4-1 16,-9 0-1-16,-4 6 1 15,-7-2-5-15,0-4 8 16,5 4-6-16,8 0 6 15,10 0-3-15,3 2 1 16,6 0-1-16,-3-2 0 16,-14 0 1-16,-10-4-2 15,-20-4 4-15,-21-2-4 16,-8-2 2-16,-10 0-1 16,1 0 1-16,-1 0 2 15,3 4 8-15,2 2-1 16,-2 1-8-16,-2-2 2 0,-8-1-3 15,-10 0 1-15,-18-2-4 16,-16-2 4-16,-8 0-3 16,-5 0 2-16,0 0 2 15,0 0 23-15,-13 0-13 16,-21 0-13-16,-13 0-3 16,23 0-110-16,2 0-192 15</inkml:trace>
-  <inkml:trace contextRef="#ctx0" brushRef="#br0" timeOffset="35576.18">5612 6414 597 0,'0'0'37'16,"0"0"-28"-16,0 0-7 16,0 0 0-16,0 0 21 15,0 0 15-15,-25 4-28 16,25-4-10-16,20 0-5 15,41 0-16-15,43-5 21 16,45-23 11-16,41-7 23 0,40 1-17 16,28 2 5-1,5 8-6-15,-7 6-2 0,-33 6-5 16,-33 4-3-16,-34-2 5 16,-23 4-10-16,-13-2 9 15,-13 0-1-15,-9 0-1 16,-9-4-1-16,-4 0-2 15,-9 2 1-15,-16-2-5 16,-20 6 6-16,-19 2-6 16,-13 0 3-16,-6 2-3 15,1 0 5-15,-3 0 1 16,2 0 6-16,-2 2-5 16,2-2-8-16,0 0 4 15,0 0-4-15,0 0-1 0,-2 0-46 16,3-2-36-1,-3 0-77-15,0-4-135 0</inkml:trace>
-  <inkml:trace contextRef="#ctx0" brushRef="#br0" timeOffset="55039.16">17630 8811 213 0,'0'0'651'0,"0"0"-586"16,0 0-60-16,0 0 20 15,0 0 60-15,0 0-31 16,0 0-37-16,-36-14-16 16,36 12-1-16,0-2 0 15,0 2 11-15,0 0 2 0,2 0-4 16,4 0-9-16,-6 2 8 15,0-2 2-15,2 2 4 16,-2 0-6-16,0-2 3 16,0 2-3-16,2 0 1 15,-2 0 0-15,13 0-6 16,20 0 4-16,25 0-7 16,29 0 6-16,30 0 6 15,18 0 5-15,14-4-9 16,12 0-3-16,1 0-2 15,-6 4-2-15,-13 0 2 16,-21 0-3-16,-28 0 0 16,-27 0-1-16,-22 0 0 15,-12 0 0-15,-10 0 0 16,-8 0 1-16,-7 0 0 0,-5 0 1 16,-3 0 1-1,0 0 1-15,0 0 2 0,0 0 9 16,0 0 0-16,0 0 3 15,0 0 1-15,0 0-3 16,0 0-5-16,0 0-9 16,0 0-1-16,0 0 0 15,0 0 0-15,0 0-37 16,0 0-12-16,0 0-42 16,-26 0-72-16,5 0-66 15,-6 0-323-15</inkml:trace>
-  <inkml:trace contextRef="#ctx0" brushRef="#br0" timeOffset="57117.31">17851 9224 641 0,'0'0'163'16,"0"0"-112"-16,0 0-51 16,0 0 2-16,0 0-1 15,46 120 5-15,-29-76-5 16,-2 4 2-16,-1 2-2 16,-4 3 4-16,-3-3-5 0,-5-4 11 15,2-8-3 1,2-10 1-16,-2-6 6 0,0-8-9 15,3-6 0-15,-1-8-6 16,4 0 10-16,3 0-9 16,7-22 0-16,6-22-1 15,6-10 6-15,-6-8 0 16,1 2-3-16,-5 6 0 16,-1 5-3-16,-8 9 3 15,-2 8 0-15,-2 6 0 16,0 4-3-16,-3 4 0 15,1 6-1-15,-2 6-2 0,-1 0-11 16,-4 4-29-16,0-2-8 16,0 0-32-16,0 2-52 15,0 0-82-15</inkml:trace>
-  <inkml:trace contextRef="#ctx0" brushRef="#br0" timeOffset="57898.32">18552 9013 638 0,'0'0'76'0,"0"0"-50"16,-113 52 28-16,86-27 14 16,1 7-31-16,1 12-6 15,0 10-20-15,4 12-5 16,0 6 1-16,3 9 9 0,7 5-5 15,5-2-3 1,6-4 2-16,0-9-10 0,0-12 6 16,13-13-6-16,16-11-1 15,8-13-18 1,6-16-30-16,6-6-34 0,-31 0-56 16,-5-20-105-16</inkml:trace>
-  <inkml:trace contextRef="#ctx0" brushRef="#br0" timeOffset="58321.86">18938 9164 612 0,'0'0'168'15,"0"0"-137"-15,-133 10-30 16,98 12 32-16,10 8-23 16,2 0-5-16,12 2-4 15,11-2-1-15,0 0 0 16,7-2 3-16,24-4-2 0,4-2 0 15,1-1 1 1,-5-3 3-16,-6 0 13 0,-10-4-4 16,-5 0 3-16,-8-4-6 15,-2-1 12-15,0 2 22 16,0 1-13-16,-29 2-12 16,-21 0-14-16,-14-8-6 15,-9-6-19-15,6 0-57 16,7-12-26-16,46-2-77 15,12-2-125-15</inkml:trace>
-  <inkml:trace contextRef="#ctx0" brushRef="#br0" timeOffset="58657.83">19090 8769 728 0,'0'0'30'0,"0"0"-26"15,114 72 2-15,-66-14 63 16,2 12-13-16,-13 0-2 15,-10 5-19-15,-14 1-29 16,-9-4 7-16,-4 0 6 0,0 2 1 16,-31 3-11-16,-19-1-4 15,-9-4-1-15,-5-6-4 16,2-8 0-16,6-14-51 16,4-16-56-16,37-28-121 15</inkml:trace>
-  <inkml:trace contextRef="#ctx0" brushRef="#br0" timeOffset="65077.78">21307 8947 816 0,'0'0'40'0,"0"0"-40"0,0 0 0 16,0 0 3-16,0 0 3 15,0 0 7-15,0 0-6 16,182 0-5-16,-63 0-1 16,21 0 3-16,29 0-2 15,29 0 1-15,32 0-3 16,35 0 3-16,27 0-4 0,14 0 2 16,1 8-2-1,-7 0 2-15,-19 2 0 16,-22-2-1-16,-24 0 1 15,-29 0-1-15,-26-4 0 0,-26 1 30 16,-29-4 4-16,-25 2 1 16,-20 0 0-16,-20 3-11 15,-15 0-11-15,-12 1-11 16,-11-1-2-16,-11-2-2 16,-5-3 1-16,-6-1-8 15,0 0 9-15,0 3-7 16,-6-2-44-16,-29 2-28 15,6-3-17-15,-13 0-98 16</inkml:trace>
-  <inkml:trace contextRef="#ctx0" brushRef="#br0" timeOffset="66503.14">7508 10022 702 0,'0'0'40'16,"0"0"2"-16,0 0-16 16,0 0 13-16,0 0-39 15,47-10 0-15,6 10 0 0,28 4 1 16,23 16 2-16,23 4 28 16,23 0 46-16,16-2-15 15,17-6-38-15,22-3-14 16,20-13-4-16,16 0-3 15,20-4 4-15,20-29-2 16,17-7-5-16,14-6 7 16,-12 0-5-16,-19 4 0 15,-36 4 1-15,-35 10-2 16,-36 3 3-16,-36 6-4 16,-29 5 0-16,-24 1-1 15,-18 1 1-15,-3 2-2 16,7-2 2-16,8-4-1 15,6 0-15-15,-4 0 13 0,-6 4 2 16,-15 2 0 0,-20 4 2-16,-16 2-1 15,-13 4 0-15,-7-2 0 0,-1 2-1 16,-1 0-1-16,0-2 0 16,2 2-2-16,4 0 3 15,0 0-4-15,1 0-6 16,0 0-18-16,-2 0 9 15,-5 0 5-15,0 0 0 16,-2 0 2-16,0 0 3 16,0 0-12-16,0 0-38 15,0 0-38-15,0 0-56 0,0 0-159 16</inkml:trace>
-  <inkml:trace contextRef="#ctx0" brushRef="#br0" timeOffset="73268.95">15514 10233 501 0,'0'0'78'0,"0"0"-40"15,0 0-38-15,0 0 2 16,0 0 20-16,0 0 19 16,96-21 2-16,-90 20-9 15,-4-3 3-15,0 1 4 16,-2 3 5-16,2 0-13 16,-2 0-2-16,0 0 1 0,0 0-1 15,-19-1-19 1,-28-6-12-16,-24 7-7 0,-21 0-4 15,-22 3 10-15,-15 24 1 16,-11 4 0-16,-2 1 0 16,3 2 0-16,19-8-1 15,22-4-1-15,25-6 0 16,30-6 4-16,21-4-3 16,18-2 1-16,4-4-7 15,0 2-2-15,0-2-1 16,0 0-19-16,0 2 19 15,0 2 7-15,0 12 3 16,15 10 0-16,3 16 1 16,1 19 0-16,2 16 19 0,-1 20-10 15,-11 13-5-15,-3 8-1 16,-6 9-2-16,0 3 0 16,-4-2 1-16,-21-5-2 15,1-15 2-15,0-15-2 16,8-20 0-16,7-10 1 15,5-13-2-15,4-12 0 16,0-8 6-16,0-6 0 16,11-6 1-16,16 4 8 15,8-4-5-15,12 3-3 0,10 2-1 16,13-1 3 0,5-4-8-16,13 1 6 15,14-7-2-15,10-2 1 16,-2-2-1-16,-4-2-5 15,-15-1 0-15,-14-2 2 0,-14 1-4 16,-16-2 2-16,-9-2 0 16,-3 2-42-16,-4-2-21 15,10 0-32-15,-1-15-53 16,-29 0-79-16</inkml:trace>
-  <inkml:trace contextRef="#ctx0" brushRef="#br0" timeOffset="74368.97">19259 10106 702 0,'0'0'107'16,"0"0"-88"-16,0 0-9 16,0 0 9-16,0 0 1 15,0 0-14-15,138-20 4 16,-24 20-2-16,22 10 3 16,13 2-6-16,7-3 3 15,6-2-7-15,1-3 2 16,-14 0 0-16,-17-4-3 0,-29 0 2 15,-32 0-2-15,-24 0 0 16,-16 0 0-16,-12 0 1 16,-5 0 7-16,-7 0 7 15,-5 0 2-15,0 0-3 16,2 3-1-16,6 2-8 16,3 4 2-16,7 2-6 15,2 1 2-15,3 9-2 16,1 1 1-16,1 7-2 15,0 8 0-15,-2 9 2 16,-1 12-2-16,-2 14 4 0,-1 18-1 16,-2 17 3-1,-5 13 5-15,1 9-2 16,-5 5-6-16,-8 0-2 0,-2-4 0 16,0-9 0-16,-8-11 2 15,-9-10-2-15,-1-10 0 16,3-15 0-16,3-11 1 15,-1-10-1-15,4-10 0 16,0-8 0-16,0-10 3 16,3-8-1-16,-3-10-3 15,-3 0 3-15,-7-3 7 16,-18-5-7-16,-13 0-3 0,-26 0-8 16,-24-13-4-16,-32-5 2 15,-24 2-7 1,-13 4 4-16,-7 2 9 0,11 0 3 15,18 6-4 1,29-2-7-16,38 0-12 0,32-4-24 16,31-12-39-16,17 8-108 15,23-6-453-15</inkml:trace>
 </inkml:ink>
 </file>
 
@@ -2598,6 +2514,174 @@
     <p:extLst>
       <p:ext uri="{BB962C8B-B14F-4D97-AF65-F5344CB8AC3E}">
         <p14:creationId xmlns:p14="http://schemas.microsoft.com/office/powerpoint/2010/main" val="2502331291"/>
+      </p:ext>
+    </p:extLst>
+  </p:cSld>
+  <p:clrMapOvr>
+    <a:masterClrMapping/>
+  </p:clrMapOvr>
+</p:notes>
+</file>
+
+<file path=ppt/notesSlides/notesSlide5.xml><?xml version="1.0" encoding="utf-8"?>
+<p:notes xmlns:a="http://schemas.openxmlformats.org/drawingml/2006/main" xmlns:r="http://schemas.openxmlformats.org/officeDocument/2006/relationships" xmlns:p="http://schemas.openxmlformats.org/presentationml/2006/main">
+  <p:cSld>
+    <p:spTree>
+      <p:nvGrpSpPr>
+        <p:cNvPr id="1" name=""/>
+        <p:cNvGrpSpPr/>
+        <p:nvPr/>
+      </p:nvGrpSpPr>
+      <p:grpSpPr>
+        <a:xfrm>
+          <a:off x="0" y="0"/>
+          <a:ext cx="0" cy="0"/>
+          <a:chOff x="0" y="0"/>
+          <a:chExt cx="0" cy="0"/>
+        </a:xfrm>
+      </p:grpSpPr>
+      <p:sp>
+        <p:nvSpPr>
+          <p:cNvPr id="2" name="Slide Image Placeholder 1"/>
+          <p:cNvSpPr>
+            <a:spLocks noGrp="1" noRot="1" noChangeAspect="1"/>
+          </p:cNvSpPr>
+          <p:nvPr>
+            <p:ph type="sldImg"/>
+          </p:nvPr>
+        </p:nvSpPr>
+        <p:spPr/>
+      </p:sp>
+      <p:sp>
+        <p:nvSpPr>
+          <p:cNvPr id="3" name="Notes Placeholder 2"/>
+          <p:cNvSpPr>
+            <a:spLocks noGrp="1"/>
+          </p:cNvSpPr>
+          <p:nvPr>
+            <p:ph type="body" idx="1"/>
+          </p:nvPr>
+        </p:nvSpPr>
+        <p:spPr/>
+        <p:txBody>
+          <a:bodyPr/>
+          <a:lstStyle/>
+          <a:p>
+            <a:endParaRPr lang="en-PH" dirty="0"/>
+          </a:p>
+        </p:txBody>
+      </p:sp>
+      <p:sp>
+        <p:nvSpPr>
+          <p:cNvPr id="4" name="Slide Number Placeholder 3"/>
+          <p:cNvSpPr>
+            <a:spLocks noGrp="1"/>
+          </p:cNvSpPr>
+          <p:nvPr>
+            <p:ph type="sldNum" sz="quarter" idx="5"/>
+          </p:nvPr>
+        </p:nvSpPr>
+        <p:spPr/>
+        <p:txBody>
+          <a:bodyPr/>
+          <a:lstStyle/>
+          <a:p>
+            <a:fld id="{465F1461-96C2-4222-BBBB-83024B2ACE35}" type="slidenum">
+              <a:rPr lang="en-PH" smtClean="0"/>
+              <a:t>32</a:t>
+            </a:fld>
+            <a:endParaRPr lang="en-PH"/>
+          </a:p>
+        </p:txBody>
+      </p:sp>
+    </p:spTree>
+    <p:extLst>
+      <p:ext uri="{BB962C8B-B14F-4D97-AF65-F5344CB8AC3E}">
+        <p14:creationId xmlns:p14="http://schemas.microsoft.com/office/powerpoint/2010/main" val="655586937"/>
+      </p:ext>
+    </p:extLst>
+  </p:cSld>
+  <p:clrMapOvr>
+    <a:masterClrMapping/>
+  </p:clrMapOvr>
+</p:notes>
+</file>
+
+<file path=ppt/notesSlides/notesSlide6.xml><?xml version="1.0" encoding="utf-8"?>
+<p:notes xmlns:a="http://schemas.openxmlformats.org/drawingml/2006/main" xmlns:r="http://schemas.openxmlformats.org/officeDocument/2006/relationships" xmlns:p="http://schemas.openxmlformats.org/presentationml/2006/main">
+  <p:cSld>
+    <p:spTree>
+      <p:nvGrpSpPr>
+        <p:cNvPr id="1" name=""/>
+        <p:cNvGrpSpPr/>
+        <p:nvPr/>
+      </p:nvGrpSpPr>
+      <p:grpSpPr>
+        <a:xfrm>
+          <a:off x="0" y="0"/>
+          <a:ext cx="0" cy="0"/>
+          <a:chOff x="0" y="0"/>
+          <a:chExt cx="0" cy="0"/>
+        </a:xfrm>
+      </p:grpSpPr>
+      <p:sp>
+        <p:nvSpPr>
+          <p:cNvPr id="2" name="Slide Image Placeholder 1"/>
+          <p:cNvSpPr>
+            <a:spLocks noGrp="1" noRot="1" noChangeAspect="1"/>
+          </p:cNvSpPr>
+          <p:nvPr>
+            <p:ph type="sldImg"/>
+          </p:nvPr>
+        </p:nvSpPr>
+        <p:spPr/>
+      </p:sp>
+      <p:sp>
+        <p:nvSpPr>
+          <p:cNvPr id="3" name="Notes Placeholder 2"/>
+          <p:cNvSpPr>
+            <a:spLocks noGrp="1"/>
+          </p:cNvSpPr>
+          <p:nvPr>
+            <p:ph type="body" idx="1"/>
+          </p:nvPr>
+        </p:nvSpPr>
+        <p:spPr/>
+        <p:txBody>
+          <a:bodyPr/>
+          <a:lstStyle/>
+          <a:p>
+            <a:endParaRPr lang="en-PH" dirty="0"/>
+          </a:p>
+        </p:txBody>
+      </p:sp>
+      <p:sp>
+        <p:nvSpPr>
+          <p:cNvPr id="4" name="Slide Number Placeholder 3"/>
+          <p:cNvSpPr>
+            <a:spLocks noGrp="1"/>
+          </p:cNvSpPr>
+          <p:nvPr>
+            <p:ph type="sldNum" sz="quarter" idx="5"/>
+          </p:nvPr>
+        </p:nvSpPr>
+        <p:spPr/>
+        <p:txBody>
+          <a:bodyPr/>
+          <a:lstStyle/>
+          <a:p>
+            <a:fld id="{465F1461-96C2-4222-BBBB-83024B2ACE35}" type="slidenum">
+              <a:rPr lang="en-PH" smtClean="0"/>
+              <a:t>33</a:t>
+            </a:fld>
+            <a:endParaRPr lang="en-PH"/>
+          </a:p>
+        </p:txBody>
+      </p:sp>
+    </p:spTree>
+    <p:extLst>
+      <p:ext uri="{BB962C8B-B14F-4D97-AF65-F5344CB8AC3E}">
+        <p14:creationId xmlns:p14="http://schemas.microsoft.com/office/powerpoint/2010/main" val="3976631978"/>
       </p:ext>
     </p:extLst>
   </p:cSld>
@@ -7167,8 +7251,8 @@
           </a:p>
         </p:txBody>
       </p:sp>
-      <mc:AlternateContent xmlns:mc="http://schemas.openxmlformats.org/markup-compatibility/2006">
-        <mc:Choice xmlns:a14="http://schemas.microsoft.com/office/drawing/2010/main" Requires="a14">
+      <mc:AlternateContent xmlns:mc="http://schemas.openxmlformats.org/markup-compatibility/2006" xmlns:a14="http://schemas.microsoft.com/office/drawing/2010/main">
+        <mc:Choice Requires="a14">
           <p:sp>
             <p:nvSpPr>
               <p:cNvPr id="10" name="Content Placeholder 9">
@@ -7275,7 +7359,7 @@
             </p:txBody>
           </p:sp>
         </mc:Choice>
-        <mc:Fallback>
+        <mc:Fallback xmlns="">
           <p:sp>
             <p:nvSpPr>
               <p:cNvPr id="10" name="Content Placeholder 9">
@@ -8171,8 +8255,8 @@
           </a:p>
         </p:txBody>
       </p:sp>
-      <mc:AlternateContent xmlns:mc="http://schemas.openxmlformats.org/markup-compatibility/2006">
-        <mc:Choice xmlns:a14="http://schemas.microsoft.com/office/drawing/2010/main" Requires="a14">
+      <mc:AlternateContent xmlns:mc="http://schemas.openxmlformats.org/markup-compatibility/2006" xmlns:a14="http://schemas.microsoft.com/office/drawing/2010/main">
+        <mc:Choice Requires="a14">
           <p:sp>
             <p:nvSpPr>
               <p:cNvPr id="10" name="Content Placeholder 9">
@@ -8335,7 +8419,7 @@
             </p:txBody>
           </p:sp>
         </mc:Choice>
-        <mc:Fallback>
+        <mc:Fallback xmlns="">
           <p:sp>
             <p:nvSpPr>
               <p:cNvPr id="10" name="Content Placeholder 9">
@@ -14124,8 +14208,8 @@
           </a:p>
         </p:txBody>
       </p:sp>
-      <mc:AlternateContent xmlns:mc="http://schemas.openxmlformats.org/markup-compatibility/2006">
-        <mc:Choice xmlns:a14="http://schemas.microsoft.com/office/drawing/2010/main" Requires="a14">
+      <mc:AlternateContent xmlns:mc="http://schemas.openxmlformats.org/markup-compatibility/2006" xmlns:a14="http://schemas.microsoft.com/office/drawing/2010/main">
+        <mc:Choice Requires="a14">
           <p:sp>
             <p:nvSpPr>
               <p:cNvPr id="10" name="Content Placeholder 9">
@@ -14259,7 +14343,7 @@
             </p:txBody>
           </p:sp>
         </mc:Choice>
-        <mc:Fallback>
+        <mc:Fallback xmlns="">
           <p:sp>
             <p:nvSpPr>
               <p:cNvPr id="10" name="Content Placeholder 9">
@@ -19348,49 +19432,17 @@
               <a:rPr lang="en-PH" b="1" dirty="0">
                 <a:latin typeface="+mn-lt"/>
               </a:rPr>
-              <a:t>Student Value-Function MDP</a:t>
-            </a:r>
-          </a:p>
-        </p:txBody>
-      </p:sp>
-      <p:sp>
-        <p:nvSpPr>
-          <p:cNvPr id="10" name="Content Placeholder 9">
-            <a:extLst>
-              <a:ext uri="{FF2B5EF4-FFF2-40B4-BE49-F238E27FC236}">
-                <a16:creationId xmlns:a16="http://schemas.microsoft.com/office/drawing/2014/main" id="{D5BBEC35-40CA-42D4-BC38-E13B39A6DA8E}"/>
-              </a:ext>
-            </a:extLst>
-          </p:cNvPr>
-          <p:cNvSpPr>
-            <a:spLocks noGrp="1"/>
-          </p:cNvSpPr>
-          <p:nvPr>
-            <p:ph idx="1"/>
-          </p:nvPr>
-        </p:nvSpPr>
-        <p:spPr>
-          <a:xfrm>
-            <a:off x="457198" y="1341120"/>
-            <a:ext cx="11043922" cy="4602480"/>
-          </a:xfrm>
-        </p:spPr>
-        <p:txBody>
-          <a:bodyPr>
-            <a:normAutofit/>
-          </a:bodyPr>
-          <a:lstStyle/>
-          <a:p>
-            <a:endParaRPr lang="en-US" sz="2400" dirty="0"/>
+              <a:t>Policies</a:t>
+            </a:r>
           </a:p>
         </p:txBody>
       </p:sp>
       <p:pic>
         <p:nvPicPr>
-          <p:cNvPr id="2" name="Picture 1">
-            <a:extLst>
-              <a:ext uri="{FF2B5EF4-FFF2-40B4-BE49-F238E27FC236}">
-                <a16:creationId xmlns:a16="http://schemas.microsoft.com/office/drawing/2014/main" id="{B6677F64-ABAA-4EBC-97A6-3E1E165E9B12}"/>
+          <p:cNvPr id="12" name="Picture 11">
+            <a:extLst>
+              <a:ext uri="{FF2B5EF4-FFF2-40B4-BE49-F238E27FC236}">
+                <a16:creationId xmlns:a16="http://schemas.microsoft.com/office/drawing/2014/main" id="{A9EC7172-CE69-B694-19D2-4B13425288A6}"/>
               </a:ext>
             </a:extLst>
           </p:cNvPr>
@@ -19400,15 +19452,15 @@
           <p:nvPr/>
         </p:nvPicPr>
         <p:blipFill>
-          <a:blip r:embed="rId2"/>
+          <a:blip r:embed="rId3"/>
           <a:stretch>
             <a:fillRect/>
           </a:stretch>
         </p:blipFill>
         <p:spPr>
           <a:xfrm>
-            <a:off x="3130432" y="1190601"/>
-            <a:ext cx="5931136" cy="5067959"/>
+            <a:off x="1796928" y="1646102"/>
+            <a:ext cx="8569568" cy="4021298"/>
           </a:xfrm>
           <a:prstGeom prst="rect">
             <a:avLst/>
@@ -19418,7 +19470,7 @@
     </p:spTree>
     <p:extLst>
       <p:ext uri="{BB962C8B-B14F-4D97-AF65-F5344CB8AC3E}">
-        <p14:creationId xmlns:p14="http://schemas.microsoft.com/office/powerpoint/2010/main" val="1278004186"/>
+        <p14:creationId xmlns:p14="http://schemas.microsoft.com/office/powerpoint/2010/main" val="1456431909"/>
       </p:ext>
     </p:extLst>
   </p:cSld>
@@ -19787,46 +19839,11 @@
           <a:lstStyle/>
           <a:p>
             <a:r>
-              <a:rPr lang="en-US" b="1" dirty="0">
+              <a:rPr lang="en-PH" b="1" dirty="0">
                 <a:latin typeface="+mn-lt"/>
               </a:rPr>
-              <a:t>Bellman Expectation Equation in Student MDP</a:t>
-            </a:r>
-            <a:endParaRPr lang="en-PH" b="1" dirty="0">
-              <a:latin typeface="+mn-lt"/>
-            </a:endParaRPr>
-          </a:p>
-        </p:txBody>
-      </p:sp>
-      <p:sp>
-        <p:nvSpPr>
-          <p:cNvPr id="10" name="Content Placeholder 9">
-            <a:extLst>
-              <a:ext uri="{FF2B5EF4-FFF2-40B4-BE49-F238E27FC236}">
-                <a16:creationId xmlns:a16="http://schemas.microsoft.com/office/drawing/2014/main" id="{D5BBEC35-40CA-42D4-BC38-E13B39A6DA8E}"/>
-              </a:ext>
-            </a:extLst>
-          </p:cNvPr>
-          <p:cNvSpPr>
-            <a:spLocks noGrp="1"/>
-          </p:cNvSpPr>
-          <p:nvPr>
-            <p:ph idx="1"/>
-          </p:nvPr>
-        </p:nvSpPr>
-        <p:spPr>
-          <a:xfrm>
-            <a:off x="457198" y="1341120"/>
-            <a:ext cx="11043922" cy="4602480"/>
-          </a:xfrm>
-        </p:spPr>
-        <p:txBody>
-          <a:bodyPr>
-            <a:normAutofit/>
-          </a:bodyPr>
-          <a:lstStyle/>
-          <a:p>
-            <a:endParaRPr lang="en-US" sz="2400" dirty="0"/>
+              <a:t>Value Function</a:t>
+            </a:r>
           </a:p>
         </p:txBody>
       </p:sp>
@@ -19835,7 +19852,7 @@
           <p:cNvPr id="3" name="Picture 2">
             <a:extLst>
               <a:ext uri="{FF2B5EF4-FFF2-40B4-BE49-F238E27FC236}">
-                <a16:creationId xmlns:a16="http://schemas.microsoft.com/office/drawing/2014/main" id="{2A52673D-FE76-4479-8B66-2110C7B68940}"/>
+                <a16:creationId xmlns:a16="http://schemas.microsoft.com/office/drawing/2014/main" id="{C605238F-B9FF-A248-78E9-9E1E9A31C53F}"/>
               </a:ext>
             </a:extLst>
           </p:cNvPr>
@@ -19845,76 +19862,25 @@
           <p:nvPr/>
         </p:nvPicPr>
         <p:blipFill>
-          <a:blip r:embed="rId2"/>
+          <a:blip r:embed="rId3"/>
           <a:stretch>
             <a:fillRect/>
           </a:stretch>
         </p:blipFill>
         <p:spPr>
           <a:xfrm>
-            <a:off x="2696527" y="1173018"/>
-            <a:ext cx="6577599" cy="5148458"/>
+            <a:off x="1969859" y="1173018"/>
+            <a:ext cx="8252282" cy="4823389"/>
           </a:xfrm>
           <a:prstGeom prst="rect">
             <a:avLst/>
           </a:prstGeom>
         </p:spPr>
       </p:pic>
-      <mc:AlternateContent xmlns:mc="http://schemas.openxmlformats.org/markup-compatibility/2006" xmlns:p14="http://schemas.microsoft.com/office/powerpoint/2010/main">
-        <mc:Choice Requires="p14">
-          <p:contentPart p14:bwMode="auto" r:id="rId3">
-            <p14:nvContentPartPr>
-              <p14:cNvPr id="2" name="Ink 1">
-                <a:extLst>
-                  <a:ext uri="{FF2B5EF4-FFF2-40B4-BE49-F238E27FC236}">
-                    <a16:creationId xmlns:a16="http://schemas.microsoft.com/office/drawing/2014/main" id="{95FD78A7-96B2-4FBC-83D3-ED171FBC72AD}"/>
-                  </a:ext>
-                </a:extLst>
-              </p14:cNvPr>
-              <p14:cNvContentPartPr/>
-              <p14:nvPr/>
-            </p14:nvContentPartPr>
-            <p14:xfrm>
-              <a:off x="5677920" y="1341720"/>
-              <a:ext cx="3197880" cy="4581000"/>
-            </p14:xfrm>
-          </p:contentPart>
-        </mc:Choice>
-        <mc:Fallback xmlns="">
-          <p:pic>
-            <p:nvPicPr>
-              <p:cNvPr id="2" name="Ink 1">
-                <a:extLst>
-                  <a:ext uri="{FF2B5EF4-FFF2-40B4-BE49-F238E27FC236}">
-                    <a16:creationId xmlns:a16="http://schemas.microsoft.com/office/drawing/2014/main" id="{95FD78A7-96B2-4FBC-83D3-ED171FBC72AD}"/>
-                  </a:ext>
-                </a:extLst>
-              </p:cNvPr>
-              <p:cNvPicPr/>
-              <p:nvPr/>
-            </p:nvPicPr>
-            <p:blipFill>
-              <a:blip r:embed="rId4"/>
-              <a:stretch>
-                <a:fillRect/>
-              </a:stretch>
-            </p:blipFill>
-            <p:spPr>
-              <a:xfrm>
-                <a:off x="5668560" y="1332360"/>
-                <a:ext cx="3216600" cy="4599720"/>
-              </a:xfrm>
-              <a:prstGeom prst="rect">
-                <a:avLst/>
-              </a:prstGeom>
-            </p:spPr>
-          </p:pic>
-        </mc:Fallback>
-      </mc:AlternateContent>
     </p:spTree>
     <p:extLst>
       <p:ext uri="{BB962C8B-B14F-4D97-AF65-F5344CB8AC3E}">
-        <p14:creationId xmlns:p14="http://schemas.microsoft.com/office/powerpoint/2010/main" val="495454146"/>
+        <p14:creationId xmlns:p14="http://schemas.microsoft.com/office/powerpoint/2010/main" val="4001661197"/>
       </p:ext>
     </p:extLst>
   </p:cSld>
@@ -20286,7 +20252,7 @@
               <a:rPr lang="en-PH" b="1" dirty="0">
                 <a:latin typeface="+mn-lt"/>
               </a:rPr>
-              <a:t>Optimal Value Function</a:t>
+              <a:t>Student Value-Function MDP</a:t>
             </a:r>
           </a:p>
         </p:txBody>
@@ -20319,16 +20285,7 @@
           </a:bodyPr>
           <a:lstStyle/>
           <a:p>
-            <a:r>
-              <a:rPr lang="en-US" sz="2400" dirty="0"/>
-              <a:t>The optimal value function specifies the best possible performance in the MDP.</a:t>
-            </a:r>
-          </a:p>
-          <a:p>
-            <a:r>
-              <a:rPr lang="en-US" sz="2400" dirty="0"/>
-              <a:t>An MDP is “solved” when we know the optimal value.</a:t>
-            </a:r>
+            <a:endParaRPr lang="en-US" sz="2400" dirty="0"/>
           </a:p>
         </p:txBody>
       </p:sp>
@@ -20337,7 +20294,7 @@
           <p:cNvPr id="2" name="Picture 1">
             <a:extLst>
               <a:ext uri="{FF2B5EF4-FFF2-40B4-BE49-F238E27FC236}">
-                <a16:creationId xmlns:a16="http://schemas.microsoft.com/office/drawing/2014/main" id="{FA33E2B3-7FF2-4433-9FDF-11D63F5825C0}"/>
+                <a16:creationId xmlns:a16="http://schemas.microsoft.com/office/drawing/2014/main" id="{B6677F64-ABAA-4EBC-97A6-3E1E165E9B12}"/>
               </a:ext>
             </a:extLst>
           </p:cNvPr>
@@ -20354,69 +20311,18 @@
         </p:blipFill>
         <p:spPr>
           <a:xfrm>
-            <a:off x="2461846" y="2323713"/>
-            <a:ext cx="7774549" cy="3879260"/>
+            <a:off x="3130432" y="1190601"/>
+            <a:ext cx="5931136" cy="5067959"/>
           </a:xfrm>
           <a:prstGeom prst="rect">
             <a:avLst/>
           </a:prstGeom>
         </p:spPr>
       </p:pic>
-      <mc:AlternateContent xmlns:mc="http://schemas.openxmlformats.org/markup-compatibility/2006" xmlns:p14="http://schemas.microsoft.com/office/powerpoint/2010/main">
-        <mc:Choice Requires="p14">
-          <p:contentPart p14:bwMode="auto" r:id="rId3">
-            <p14:nvContentPartPr>
-              <p14:cNvPr id="3" name="Ink 2">
-                <a:extLst>
-                  <a:ext uri="{FF2B5EF4-FFF2-40B4-BE49-F238E27FC236}">
-                    <a16:creationId xmlns:a16="http://schemas.microsoft.com/office/drawing/2014/main" id="{3302A5C3-3F92-40F5-8543-A6AEF93F37FA}"/>
-                  </a:ext>
-                </a:extLst>
-              </p14:cNvPr>
-              <p14:cNvContentPartPr/>
-              <p14:nvPr/>
-            </p14:nvContentPartPr>
-            <p14:xfrm>
-              <a:off x="1930320" y="142200"/>
-              <a:ext cx="8408160" cy="4236480"/>
-            </p14:xfrm>
-          </p:contentPart>
-        </mc:Choice>
-        <mc:Fallback xmlns="">
-          <p:pic>
-            <p:nvPicPr>
-              <p:cNvPr id="3" name="Ink 2">
-                <a:extLst>
-                  <a:ext uri="{FF2B5EF4-FFF2-40B4-BE49-F238E27FC236}">
-                    <a16:creationId xmlns:a16="http://schemas.microsoft.com/office/drawing/2014/main" id="{3302A5C3-3F92-40F5-8543-A6AEF93F37FA}"/>
-                  </a:ext>
-                </a:extLst>
-              </p:cNvPr>
-              <p:cNvPicPr/>
-              <p:nvPr/>
-            </p:nvPicPr>
-            <p:blipFill>
-              <a:blip r:embed="rId4"/>
-              <a:stretch>
-                <a:fillRect/>
-              </a:stretch>
-            </p:blipFill>
-            <p:spPr>
-              <a:xfrm>
-                <a:off x="1920960" y="132840"/>
-                <a:ext cx="8426880" cy="4255200"/>
-              </a:xfrm>
-              <a:prstGeom prst="rect">
-                <a:avLst/>
-              </a:prstGeom>
-            </p:spPr>
-          </p:pic>
-        </mc:Fallback>
-      </mc:AlternateContent>
     </p:spTree>
     <p:extLst>
       <p:ext uri="{BB962C8B-B14F-4D97-AF65-F5344CB8AC3E}">
-        <p14:creationId xmlns:p14="http://schemas.microsoft.com/office/powerpoint/2010/main" val="2305899142"/>
+        <p14:creationId xmlns:p14="http://schemas.microsoft.com/office/powerpoint/2010/main" val="1278004186"/>
       </p:ext>
     </p:extLst>
   </p:cSld>
@@ -20788,7 +20694,7 @@
               <a:rPr lang="en-US" b="1" dirty="0">
                 <a:latin typeface="+mn-lt"/>
               </a:rPr>
-              <a:t>Optimal Value Function for Student MDP</a:t>
+              <a:t>Bellman Expectation Equation in Student MDP</a:t>
             </a:r>
             <a:endParaRPr lang="en-PH" b="1" dirty="0">
               <a:latin typeface="+mn-lt"/>
@@ -20833,7 +20739,7 @@
           <p:cNvPr id="3" name="Picture 2">
             <a:extLst>
               <a:ext uri="{FF2B5EF4-FFF2-40B4-BE49-F238E27FC236}">
-                <a16:creationId xmlns:a16="http://schemas.microsoft.com/office/drawing/2014/main" id="{7593BD3C-1654-42AA-ABE9-555C78EE25DD}"/>
+                <a16:creationId xmlns:a16="http://schemas.microsoft.com/office/drawing/2014/main" id="{2A52673D-FE76-4479-8B66-2110C7B68940}"/>
               </a:ext>
             </a:extLst>
           </p:cNvPr>
@@ -20850,8 +20756,8 @@
         </p:blipFill>
         <p:spPr>
           <a:xfrm>
-            <a:off x="3003601" y="1238543"/>
-            <a:ext cx="6156222" cy="4964430"/>
+            <a:off x="2696527" y="1173018"/>
+            <a:ext cx="6577599" cy="5148458"/>
           </a:xfrm>
           <a:prstGeom prst="rect">
             <a:avLst/>
@@ -20861,7 +20767,7 @@
     </p:spTree>
     <p:extLst>
       <p:ext uri="{BB962C8B-B14F-4D97-AF65-F5344CB8AC3E}">
-        <p14:creationId xmlns:p14="http://schemas.microsoft.com/office/powerpoint/2010/main" val="3129732181"/>
+        <p14:creationId xmlns:p14="http://schemas.microsoft.com/office/powerpoint/2010/main" val="495454146"/>
       </p:ext>
     </p:extLst>
   </p:cSld>
@@ -21230,14 +21136,11 @@
           <a:lstStyle/>
           <a:p>
             <a:r>
-              <a:rPr lang="en-US" b="1" dirty="0">
+              <a:rPr lang="en-PH" b="1" dirty="0">
                 <a:latin typeface="+mn-lt"/>
               </a:rPr>
-              <a:t>Optimal Action-Value Function for Student MDP</a:t>
-            </a:r>
-            <a:endParaRPr lang="en-PH" b="1" dirty="0">
-              <a:latin typeface="+mn-lt"/>
-            </a:endParaRPr>
+              <a:t>Optimal Value Function</a:t>
+            </a:r>
           </a:p>
         </p:txBody>
       </p:sp>
@@ -21269,7 +21172,16 @@
           </a:bodyPr>
           <a:lstStyle/>
           <a:p>
-            <a:endParaRPr lang="en-US" sz="2400" dirty="0"/>
+            <a:r>
+              <a:rPr lang="en-US" sz="2400" dirty="0"/>
+              <a:t>The optimal value function specifies the best possible performance in the MDP.</a:t>
+            </a:r>
+          </a:p>
+          <a:p>
+            <a:r>
+              <a:rPr lang="en-US" sz="2400" dirty="0"/>
+              <a:t>An MDP is “solved” when we know the optimal value.</a:t>
+            </a:r>
           </a:p>
         </p:txBody>
       </p:sp>
@@ -21278,7 +21190,7 @@
           <p:cNvPr id="2" name="Picture 1">
             <a:extLst>
               <a:ext uri="{FF2B5EF4-FFF2-40B4-BE49-F238E27FC236}">
-                <a16:creationId xmlns:a16="http://schemas.microsoft.com/office/drawing/2014/main" id="{B461B14D-A586-43A0-8084-7AD6CAB1CB68}"/>
+                <a16:creationId xmlns:a16="http://schemas.microsoft.com/office/drawing/2014/main" id="{FA33E2B3-7FF2-4433-9FDF-11D63F5825C0}"/>
               </a:ext>
             </a:extLst>
           </p:cNvPr>
@@ -21295,8 +21207,8 @@
         </p:blipFill>
         <p:spPr>
           <a:xfrm>
-            <a:off x="2937192" y="1190601"/>
-            <a:ext cx="6317615" cy="5117098"/>
+            <a:off x="2461846" y="2323713"/>
+            <a:ext cx="7774549" cy="3879260"/>
           </a:xfrm>
           <a:prstGeom prst="rect">
             <a:avLst/>
@@ -21306,7 +21218,7 @@
     </p:spTree>
     <p:extLst>
       <p:ext uri="{BB962C8B-B14F-4D97-AF65-F5344CB8AC3E}">
-        <p14:creationId xmlns:p14="http://schemas.microsoft.com/office/powerpoint/2010/main" val="4279148027"/>
+        <p14:creationId xmlns:p14="http://schemas.microsoft.com/office/powerpoint/2010/main" val="2305899142"/>
       </p:ext>
     </p:extLst>
   </p:cSld>
@@ -21675,11 +21587,14 @@
           <a:lstStyle/>
           <a:p>
             <a:r>
-              <a:rPr lang="en-PH" b="1" dirty="0">
+              <a:rPr lang="en-US" b="1" dirty="0">
                 <a:latin typeface="+mn-lt"/>
               </a:rPr>
-              <a:t>Optimal Policy</a:t>
-            </a:r>
+              <a:t>Optimal Value Function for Student MDP</a:t>
+            </a:r>
+            <a:endParaRPr lang="en-PH" b="1" dirty="0">
+              <a:latin typeface="+mn-lt"/>
+            </a:endParaRPr>
           </a:p>
         </p:txBody>
       </p:sp>
@@ -21717,10 +21632,10 @@
       </p:sp>
       <p:pic>
         <p:nvPicPr>
-          <p:cNvPr id="2" name="Picture 1">
-            <a:extLst>
-              <a:ext uri="{FF2B5EF4-FFF2-40B4-BE49-F238E27FC236}">
-                <a16:creationId xmlns:a16="http://schemas.microsoft.com/office/drawing/2014/main" id="{359229F9-3608-423A-B55A-21D1AFB6792A}"/>
+          <p:cNvPr id="3" name="Picture 2">
+            <a:extLst>
+              <a:ext uri="{FF2B5EF4-FFF2-40B4-BE49-F238E27FC236}">
+                <a16:creationId xmlns:a16="http://schemas.microsoft.com/office/drawing/2014/main" id="{7593BD3C-1654-42AA-ABE9-555C78EE25DD}"/>
               </a:ext>
             </a:extLst>
           </p:cNvPr>
@@ -21737,8 +21652,8 @@
         </p:blipFill>
         <p:spPr>
           <a:xfrm>
-            <a:off x="1500187" y="1441134"/>
-            <a:ext cx="9191625" cy="3867150"/>
+            <a:off x="3003601" y="1238543"/>
+            <a:ext cx="6156222" cy="4964430"/>
           </a:xfrm>
           <a:prstGeom prst="rect">
             <a:avLst/>
@@ -21748,7 +21663,7 @@
     </p:spTree>
     <p:extLst>
       <p:ext uri="{BB962C8B-B14F-4D97-AF65-F5344CB8AC3E}">
-        <p14:creationId xmlns:p14="http://schemas.microsoft.com/office/powerpoint/2010/main" val="4183721766"/>
+        <p14:creationId xmlns:p14="http://schemas.microsoft.com/office/powerpoint/2010/main" val="3129732181"/>
       </p:ext>
     </p:extLst>
   </p:cSld>
@@ -22117,11 +22032,14 @@
           <a:lstStyle/>
           <a:p>
             <a:r>
-              <a:rPr lang="en-PH" b="1" dirty="0">
+              <a:rPr lang="en-US" b="1" dirty="0">
                 <a:latin typeface="+mn-lt"/>
               </a:rPr>
-              <a:t>Finding an Optimal Policy</a:t>
-            </a:r>
+              <a:t>Optimal Action-Value Function for Student MDP</a:t>
+            </a:r>
+            <a:endParaRPr lang="en-PH" b="1" dirty="0">
+              <a:latin typeface="+mn-lt"/>
+            </a:endParaRPr>
           </a:p>
         </p:txBody>
       </p:sp>
@@ -22153,71 +22071,16 @@
           </a:bodyPr>
           <a:lstStyle/>
           <a:p>
-            <a:r>
-              <a:rPr lang="en-US" sz="2600" dirty="0"/>
-              <a:t>An optimal policy can be found by maximizing over </a:t>
-            </a:r>
-            <a:r>
-              <a:rPr lang="en-US" sz="2600" i="1" dirty="0"/>
-              <a:t>q</a:t>
-            </a:r>
-            <a:r>
-              <a:rPr lang="en-US" sz="2600" i="1" baseline="-25000" dirty="0"/>
-              <a:t>∗</a:t>
-            </a:r>
-            <a:r>
-              <a:rPr lang="en-US" sz="2600" i="1" dirty="0"/>
-              <a:t>(s, a)</a:t>
-            </a:r>
-          </a:p>
-          <a:p>
-            <a:endParaRPr lang="en-US" sz="2600" i="1" dirty="0"/>
-          </a:p>
-          <a:p>
-            <a:endParaRPr lang="en-US" sz="2600" i="1" dirty="0"/>
-          </a:p>
-          <a:p>
-            <a:endParaRPr lang="en-US" sz="2600" i="1" dirty="0"/>
-          </a:p>
-          <a:p>
-            <a:endParaRPr lang="en-US" sz="2600" dirty="0"/>
-          </a:p>
-          <a:p>
-            <a:r>
-              <a:rPr lang="en-US" sz="2600" dirty="0"/>
-              <a:t>There is always a deterministic optimal policy for any MDP.</a:t>
-            </a:r>
-          </a:p>
-          <a:p>
-            <a:r>
-              <a:rPr lang="en-US" sz="2600" dirty="0"/>
-              <a:t>If we know </a:t>
-            </a:r>
-            <a:r>
-              <a:rPr lang="en-US" sz="2600" i="1" dirty="0"/>
-              <a:t>q</a:t>
-            </a:r>
-            <a:r>
-              <a:rPr lang="en-US" sz="2600" i="1" baseline="-25000" dirty="0"/>
-              <a:t>∗</a:t>
-            </a:r>
-            <a:r>
-              <a:rPr lang="en-US" sz="2600" i="1" dirty="0"/>
-              <a:t>(s, a)</a:t>
-            </a:r>
-            <a:r>
-              <a:rPr lang="en-US" sz="2600" dirty="0"/>
-              <a:t>, we immediately have the optimal policy.</a:t>
-            </a:r>
+            <a:endParaRPr lang="en-US" sz="2400" dirty="0"/>
           </a:p>
         </p:txBody>
       </p:sp>
       <p:pic>
         <p:nvPicPr>
-          <p:cNvPr id="3" name="Picture 2">
-            <a:extLst>
-              <a:ext uri="{FF2B5EF4-FFF2-40B4-BE49-F238E27FC236}">
-                <a16:creationId xmlns:a16="http://schemas.microsoft.com/office/drawing/2014/main" id="{662C678B-8B01-48DD-98F7-6E5EF122084F}"/>
+          <p:cNvPr id="2" name="Picture 1">
+            <a:extLst>
+              <a:ext uri="{FF2B5EF4-FFF2-40B4-BE49-F238E27FC236}">
+                <a16:creationId xmlns:a16="http://schemas.microsoft.com/office/drawing/2014/main" id="{B461B14D-A586-43A0-8084-7AD6CAB1CB68}"/>
               </a:ext>
             </a:extLst>
           </p:cNvPr>
@@ -22234,8 +22097,8 @@
         </p:blipFill>
         <p:spPr>
           <a:xfrm>
-            <a:off x="3216909" y="2033600"/>
-            <a:ext cx="5524500" cy="1381125"/>
+            <a:off x="2937192" y="1190601"/>
+            <a:ext cx="6317615" cy="5117098"/>
           </a:xfrm>
           <a:prstGeom prst="rect">
             <a:avLst/>
@@ -22245,7 +22108,7 @@
     </p:spTree>
     <p:extLst>
       <p:ext uri="{BB962C8B-B14F-4D97-AF65-F5344CB8AC3E}">
-        <p14:creationId xmlns:p14="http://schemas.microsoft.com/office/powerpoint/2010/main" val="780764021"/>
+        <p14:creationId xmlns:p14="http://schemas.microsoft.com/office/powerpoint/2010/main" val="4279148027"/>
       </p:ext>
     </p:extLst>
   </p:cSld>
@@ -22617,49 +22480,17 @@
               <a:rPr lang="en-PH" b="1" dirty="0">
                 <a:latin typeface="+mn-lt"/>
               </a:rPr>
-              <a:t>Optimal Policy for Student MDP</a:t>
-            </a:r>
-          </a:p>
-        </p:txBody>
-      </p:sp>
-      <p:sp>
-        <p:nvSpPr>
-          <p:cNvPr id="10" name="Content Placeholder 9">
-            <a:extLst>
-              <a:ext uri="{FF2B5EF4-FFF2-40B4-BE49-F238E27FC236}">
-                <a16:creationId xmlns:a16="http://schemas.microsoft.com/office/drawing/2014/main" id="{D5BBEC35-40CA-42D4-BC38-E13B39A6DA8E}"/>
-              </a:ext>
-            </a:extLst>
-          </p:cNvPr>
-          <p:cNvSpPr>
-            <a:spLocks noGrp="1"/>
-          </p:cNvSpPr>
-          <p:nvPr>
-            <p:ph idx="1"/>
-          </p:nvPr>
-        </p:nvSpPr>
-        <p:spPr>
-          <a:xfrm>
-            <a:off x="457198" y="1341120"/>
-            <a:ext cx="11043922" cy="4602480"/>
-          </a:xfrm>
-        </p:spPr>
-        <p:txBody>
-          <a:bodyPr>
-            <a:normAutofit/>
-          </a:bodyPr>
-          <a:lstStyle/>
-          <a:p>
-            <a:endParaRPr lang="en-US" sz="2400" dirty="0"/>
+              <a:t>Optimal Policy</a:t>
+            </a:r>
           </a:p>
         </p:txBody>
       </p:sp>
       <p:pic>
         <p:nvPicPr>
-          <p:cNvPr id="3" name="Picture 2">
-            <a:extLst>
-              <a:ext uri="{FF2B5EF4-FFF2-40B4-BE49-F238E27FC236}">
-                <a16:creationId xmlns:a16="http://schemas.microsoft.com/office/drawing/2014/main" id="{A8541FDD-CDF4-4137-AD08-317F67DA93DC}"/>
+          <p:cNvPr id="4" name="Picture 3">
+            <a:extLst>
+              <a:ext uri="{FF2B5EF4-FFF2-40B4-BE49-F238E27FC236}">
+                <a16:creationId xmlns:a16="http://schemas.microsoft.com/office/drawing/2014/main" id="{F17D22CB-20A2-9350-9400-33C9B6CDD0F6}"/>
               </a:ext>
             </a:extLst>
           </p:cNvPr>
@@ -22676,8 +22507,8 @@
         </p:blipFill>
         <p:spPr>
           <a:xfrm>
-            <a:off x="2946082" y="1056709"/>
-            <a:ext cx="6299835" cy="5192643"/>
+            <a:off x="1904216" y="1322677"/>
+            <a:ext cx="8383567" cy="4910288"/>
           </a:xfrm>
           <a:prstGeom prst="rect">
             <a:avLst/>
@@ -22687,7 +22518,7 @@
     </p:spTree>
     <p:extLst>
       <p:ext uri="{BB962C8B-B14F-4D97-AF65-F5344CB8AC3E}">
-        <p14:creationId xmlns:p14="http://schemas.microsoft.com/office/powerpoint/2010/main" val="2454795275"/>
+        <p14:creationId xmlns:p14="http://schemas.microsoft.com/office/powerpoint/2010/main" val="4183721766"/>
       </p:ext>
     </p:extLst>
   </p:cSld>
@@ -23698,17 +23529,8 @@
               <a:rPr lang="en-PH" b="1" dirty="0">
                 <a:latin typeface="+mn-lt"/>
               </a:rPr>
-              <a:t>Programming Exercise: </a:t>
-            </a:r>
-            <a:r>
-              <a:rPr lang="en-PH" b="1" dirty="0" err="1">
-                <a:latin typeface="+mn-lt"/>
-              </a:rPr>
-              <a:t>Gridworld</a:t>
-            </a:r>
-            <a:endParaRPr lang="en-PH" b="1" dirty="0">
-              <a:latin typeface="+mn-lt"/>
-            </a:endParaRPr>
+              <a:t>Finding an Optimal Policy</a:t>
+            </a:r>
           </a:p>
         </p:txBody>
       </p:sp>
@@ -23740,17 +23562,99 @@
           </a:bodyPr>
           <a:lstStyle/>
           <a:p>
-            <a:pPr marL="0" indent="0">
-              <a:buNone/>
-            </a:pPr>
+            <a:r>
+              <a:rPr lang="en-US" sz="2600" dirty="0"/>
+              <a:t>An optimal policy can be found by maximizing over </a:t>
+            </a:r>
+            <a:r>
+              <a:rPr lang="en-US" sz="2600" i="1" dirty="0"/>
+              <a:t>q</a:t>
+            </a:r>
+            <a:r>
+              <a:rPr lang="en-US" sz="2600" i="1" baseline="-25000" dirty="0"/>
+              <a:t>∗</a:t>
+            </a:r>
+            <a:r>
+              <a:rPr lang="en-US" sz="2600" i="1" dirty="0"/>
+              <a:t>(s, a)</a:t>
+            </a:r>
+          </a:p>
+          <a:p>
+            <a:endParaRPr lang="en-US" sz="2600" i="1" dirty="0"/>
+          </a:p>
+          <a:p>
+            <a:endParaRPr lang="en-US" sz="2600" i="1" dirty="0"/>
+          </a:p>
+          <a:p>
+            <a:endParaRPr lang="en-US" sz="2600" i="1" dirty="0"/>
+          </a:p>
+          <a:p>
             <a:endParaRPr lang="en-US" sz="2600" dirty="0"/>
           </a:p>
-        </p:txBody>
-      </p:sp>
+          <a:p>
+            <a:r>
+              <a:rPr lang="en-US" sz="2600" dirty="0"/>
+              <a:t>There is always a deterministic optimal policy for any MDP.</a:t>
+            </a:r>
+          </a:p>
+          <a:p>
+            <a:r>
+              <a:rPr lang="en-US" sz="2600" dirty="0"/>
+              <a:t>If we know </a:t>
+            </a:r>
+            <a:r>
+              <a:rPr lang="en-US" sz="2600" i="1" dirty="0"/>
+              <a:t>q</a:t>
+            </a:r>
+            <a:r>
+              <a:rPr lang="en-US" sz="2600" i="1" baseline="-25000" dirty="0"/>
+              <a:t>∗</a:t>
+            </a:r>
+            <a:r>
+              <a:rPr lang="en-US" sz="2600" i="1" dirty="0"/>
+              <a:t>(s, a)</a:t>
+            </a:r>
+            <a:r>
+              <a:rPr lang="en-US" sz="2600" dirty="0"/>
+              <a:t>, we immediately have the optimal policy.</a:t>
+            </a:r>
+          </a:p>
+        </p:txBody>
+      </p:sp>
+      <p:pic>
+        <p:nvPicPr>
+          <p:cNvPr id="3" name="Picture 2">
+            <a:extLst>
+              <a:ext uri="{FF2B5EF4-FFF2-40B4-BE49-F238E27FC236}">
+                <a16:creationId xmlns:a16="http://schemas.microsoft.com/office/drawing/2014/main" id="{662C678B-8B01-48DD-98F7-6E5EF122084F}"/>
+              </a:ext>
+            </a:extLst>
+          </p:cNvPr>
+          <p:cNvPicPr>
+            <a:picLocks noChangeAspect="1"/>
+          </p:cNvPicPr>
+          <p:nvPr/>
+        </p:nvPicPr>
+        <p:blipFill>
+          <a:blip r:embed="rId2"/>
+          <a:stretch>
+            <a:fillRect/>
+          </a:stretch>
+        </p:blipFill>
+        <p:spPr>
+          <a:xfrm>
+            <a:off x="3216909" y="2033600"/>
+            <a:ext cx="5524500" cy="1381125"/>
+          </a:xfrm>
+          <a:prstGeom prst="rect">
+            <a:avLst/>
+          </a:prstGeom>
+        </p:spPr>
+      </p:pic>
     </p:spTree>
     <p:extLst>
       <p:ext uri="{BB962C8B-B14F-4D97-AF65-F5344CB8AC3E}">
-        <p14:creationId xmlns:p14="http://schemas.microsoft.com/office/powerpoint/2010/main" val="545433181"/>
+        <p14:creationId xmlns:p14="http://schemas.microsoft.com/office/powerpoint/2010/main" val="780764021"/>
       </p:ext>
     </p:extLst>
   </p:cSld>
@@ -23761,6 +23665,448 @@
 </file>
 
 <file path=ppt/slides/slide41.xml><?xml version="1.0" encoding="utf-8"?>
+<p:sld xmlns:a="http://schemas.openxmlformats.org/drawingml/2006/main" xmlns:r="http://schemas.openxmlformats.org/officeDocument/2006/relationships" xmlns:p="http://schemas.openxmlformats.org/presentationml/2006/main">
+  <p:cSld>
+    <p:spTree>
+      <p:nvGrpSpPr>
+        <p:cNvPr id="1" name=""/>
+        <p:cNvGrpSpPr/>
+        <p:nvPr/>
+      </p:nvGrpSpPr>
+      <p:grpSpPr>
+        <a:xfrm>
+          <a:off x="0" y="0"/>
+          <a:ext cx="0" cy="0"/>
+          <a:chOff x="0" y="0"/>
+          <a:chExt cx="0" cy="0"/>
+        </a:xfrm>
+      </p:grpSpPr>
+      <p:sp>
+        <p:nvSpPr>
+          <p:cNvPr id="6" name="TextBox 5">
+            <a:extLst>
+              <a:ext uri="{FF2B5EF4-FFF2-40B4-BE49-F238E27FC236}">
+                <a16:creationId xmlns:a16="http://schemas.microsoft.com/office/drawing/2014/main" id="{933CA7EB-D821-4578-A186-D330E9178EDE}"/>
+              </a:ext>
+            </a:extLst>
+          </p:cNvPr>
+          <p:cNvSpPr txBox="1"/>
+          <p:nvPr/>
+        </p:nvSpPr>
+        <p:spPr>
+          <a:xfrm>
+            <a:off x="87923" y="28551"/>
+            <a:ext cx="3622432" cy="338554"/>
+          </a:xfrm>
+          <a:prstGeom prst="rect">
+            <a:avLst/>
+          </a:prstGeom>
+          <a:noFill/>
+        </p:spPr>
+        <p:txBody>
+          <a:bodyPr wrap="square" rtlCol="0">
+            <a:spAutoFit/>
+          </a:bodyPr>
+          <a:lstStyle/>
+          <a:p>
+            <a:r>
+              <a:rPr lang="en-PH" sz="1600">
+                <a:solidFill>
+                  <a:schemeClr val="bg1"/>
+                </a:solidFill>
+                <a:latin typeface="Abadi" panose="020B0604020104020204" pitchFamily="34" charset="0"/>
+                <a:cs typeface="Aharoni" panose="020B0604020202020204" pitchFamily="2" charset="-79"/>
+              </a:rPr>
+              <a:t>INTRODUCTION TO COMPUTING</a:t>
+            </a:r>
+          </a:p>
+        </p:txBody>
+      </p:sp>
+      <p:sp>
+        <p:nvSpPr>
+          <p:cNvPr id="7" name="TextBox 6">
+            <a:extLst>
+              <a:ext uri="{FF2B5EF4-FFF2-40B4-BE49-F238E27FC236}">
+                <a16:creationId xmlns:a16="http://schemas.microsoft.com/office/drawing/2014/main" id="{9B128FD4-EE77-4086-837E-5EAF83B0DDD1}"/>
+              </a:ext>
+            </a:extLst>
+          </p:cNvPr>
+          <p:cNvSpPr txBox="1"/>
+          <p:nvPr/>
+        </p:nvSpPr>
+        <p:spPr>
+          <a:xfrm>
+            <a:off x="9182099" y="13190"/>
+            <a:ext cx="2948354" cy="338554"/>
+          </a:xfrm>
+          <a:prstGeom prst="rect">
+            <a:avLst/>
+          </a:prstGeom>
+          <a:noFill/>
+        </p:spPr>
+        <p:txBody>
+          <a:bodyPr wrap="square" rtlCol="0">
+            <a:spAutoFit/>
+          </a:bodyPr>
+          <a:lstStyle/>
+          <a:p>
+            <a:pPr algn="r"/>
+            <a:r>
+              <a:rPr lang="en-US" sz="1600" dirty="0">
+                <a:solidFill>
+                  <a:schemeClr val="bg1"/>
+                </a:solidFill>
+              </a:rPr>
+              <a:t>Course Code: CCINCOM/L</a:t>
+            </a:r>
+            <a:endParaRPr lang="en-PH" sz="1600" dirty="0">
+              <a:solidFill>
+                <a:schemeClr val="bg1"/>
+              </a:solidFill>
+              <a:latin typeface="Abadi" panose="020B0604020202020204" pitchFamily="34" charset="0"/>
+            </a:endParaRPr>
+          </a:p>
+        </p:txBody>
+      </p:sp>
+      <p:sp>
+        <p:nvSpPr>
+          <p:cNvPr id="8" name="TextBox 7">
+            <a:extLst>
+              <a:ext uri="{FF2B5EF4-FFF2-40B4-BE49-F238E27FC236}">
+                <a16:creationId xmlns:a16="http://schemas.microsoft.com/office/drawing/2014/main" id="{B95C7AD6-4918-4294-AA88-B72FB28833FE}"/>
+              </a:ext>
+            </a:extLst>
+          </p:cNvPr>
+          <p:cNvSpPr txBox="1"/>
+          <p:nvPr/>
+        </p:nvSpPr>
+        <p:spPr>
+          <a:xfrm>
+            <a:off x="0" y="6479929"/>
+            <a:ext cx="2461846" cy="338554"/>
+          </a:xfrm>
+          <a:prstGeom prst="rect">
+            <a:avLst/>
+          </a:prstGeom>
+          <a:noFill/>
+        </p:spPr>
+        <p:txBody>
+          <a:bodyPr wrap="square" rtlCol="0">
+            <a:spAutoFit/>
+          </a:bodyPr>
+          <a:lstStyle/>
+          <a:p>
+            <a:pPr algn="ctr"/>
+            <a:r>
+              <a:rPr lang="en-PH" sz="1600">
+                <a:solidFill>
+                  <a:schemeClr val="bg1"/>
+                </a:solidFill>
+                <a:latin typeface="Abadi" panose="020B0604020202020204" pitchFamily="34" charset="0"/>
+              </a:rPr>
+              <a:t>Joseph Marvin R. Imperial</a:t>
+            </a:r>
+          </a:p>
+        </p:txBody>
+      </p:sp>
+      <p:sp>
+        <p:nvSpPr>
+          <p:cNvPr id="9" name="TextBox 8">
+            <a:extLst>
+              <a:ext uri="{FF2B5EF4-FFF2-40B4-BE49-F238E27FC236}">
+                <a16:creationId xmlns:a16="http://schemas.microsoft.com/office/drawing/2014/main" id="{C3136E3D-4CFD-4EFC-98AB-367D0EF3C06B}"/>
+              </a:ext>
+            </a:extLst>
+          </p:cNvPr>
+          <p:cNvSpPr txBox="1"/>
+          <p:nvPr/>
+        </p:nvSpPr>
+        <p:spPr>
+          <a:xfrm>
+            <a:off x="7086601" y="6490896"/>
+            <a:ext cx="5105399" cy="338554"/>
+          </a:xfrm>
+          <a:prstGeom prst="rect">
+            <a:avLst/>
+          </a:prstGeom>
+          <a:noFill/>
+        </p:spPr>
+        <p:txBody>
+          <a:bodyPr wrap="square" rtlCol="0">
+            <a:spAutoFit/>
+          </a:bodyPr>
+          <a:lstStyle/>
+          <a:p>
+            <a:pPr algn="r"/>
+            <a:r>
+              <a:rPr lang="en-PH" sz="1600">
+                <a:solidFill>
+                  <a:schemeClr val="bg1"/>
+                </a:solidFill>
+                <a:latin typeface="Abadi" panose="020B0604020202020204" pitchFamily="34" charset="0"/>
+              </a:rPr>
+              <a:t>NU College of Computing and Information Technologies</a:t>
+            </a:r>
+          </a:p>
+        </p:txBody>
+      </p:sp>
+      <p:sp>
+        <p:nvSpPr>
+          <p:cNvPr id="13" name="Rectangle 12">
+            <a:extLst>
+              <a:ext uri="{FF2B5EF4-FFF2-40B4-BE49-F238E27FC236}">
+                <a16:creationId xmlns:a16="http://schemas.microsoft.com/office/drawing/2014/main" id="{251B30DC-ACC5-404F-B51D-13612F115E3E}"/>
+              </a:ext>
+            </a:extLst>
+          </p:cNvPr>
+          <p:cNvSpPr/>
+          <p:nvPr/>
+        </p:nvSpPr>
+        <p:spPr>
+          <a:xfrm>
+            <a:off x="0" y="6462346"/>
+            <a:ext cx="12192000" cy="395654"/>
+          </a:xfrm>
+          <a:prstGeom prst="rect">
+            <a:avLst/>
+          </a:prstGeom>
+          <a:solidFill>
+            <a:schemeClr val="accent5">
+              <a:lumMod val="50000"/>
+            </a:schemeClr>
+          </a:solidFill>
+          <a:effectLst>
+            <a:outerShdw blurRad="50800" dist="38100" dir="2700000" algn="tl" rotWithShape="0">
+              <a:prstClr val="black">
+                <a:alpha val="40000"/>
+              </a:prstClr>
+            </a:outerShdw>
+          </a:effectLst>
+        </p:spPr>
+        <p:style>
+          <a:lnRef idx="2">
+            <a:schemeClr val="accent1">
+              <a:shade val="50000"/>
+            </a:schemeClr>
+          </a:lnRef>
+          <a:fillRef idx="1">
+            <a:schemeClr val="accent1"/>
+          </a:fillRef>
+          <a:effectRef idx="0">
+            <a:schemeClr val="accent1"/>
+          </a:effectRef>
+          <a:fontRef idx="minor">
+            <a:schemeClr val="lt1"/>
+          </a:fontRef>
+        </p:style>
+        <p:txBody>
+          <a:bodyPr rtlCol="0" anchor="ctr"/>
+          <a:lstStyle/>
+          <a:p>
+            <a:pPr algn="ctr"/>
+            <a:endParaRPr lang="en-PH"/>
+          </a:p>
+        </p:txBody>
+      </p:sp>
+      <p:sp>
+        <p:nvSpPr>
+          <p:cNvPr id="14" name="TextBox 13">
+            <a:extLst>
+              <a:ext uri="{FF2B5EF4-FFF2-40B4-BE49-F238E27FC236}">
+                <a16:creationId xmlns:a16="http://schemas.microsoft.com/office/drawing/2014/main" id="{ACC57CA2-30CA-4DDD-A941-8B9CC393DAFA}"/>
+              </a:ext>
+            </a:extLst>
+          </p:cNvPr>
+          <p:cNvSpPr txBox="1"/>
+          <p:nvPr/>
+        </p:nvSpPr>
+        <p:spPr>
+          <a:xfrm>
+            <a:off x="0" y="6490896"/>
+            <a:ext cx="3622432" cy="338554"/>
+          </a:xfrm>
+          <a:prstGeom prst="rect">
+            <a:avLst/>
+          </a:prstGeom>
+          <a:noFill/>
+        </p:spPr>
+        <p:txBody>
+          <a:bodyPr wrap="square" rtlCol="0">
+            <a:spAutoFit/>
+          </a:bodyPr>
+          <a:lstStyle/>
+          <a:p>
+            <a:r>
+              <a:rPr lang="en-PH" sz="1600">
+                <a:solidFill>
+                  <a:schemeClr val="bg1"/>
+                </a:solidFill>
+                <a:latin typeface="Abadi" panose="020B0604020104020204" pitchFamily="34" charset="0"/>
+                <a:cs typeface="Aharoni" panose="020B0604020202020204" pitchFamily="2" charset="-79"/>
+              </a:rPr>
+              <a:t>REINFORCEMENT LEARNING</a:t>
+            </a:r>
+          </a:p>
+        </p:txBody>
+      </p:sp>
+      <p:sp>
+        <p:nvSpPr>
+          <p:cNvPr id="15" name="TextBox 14">
+            <a:extLst>
+              <a:ext uri="{FF2B5EF4-FFF2-40B4-BE49-F238E27FC236}">
+                <a16:creationId xmlns:a16="http://schemas.microsoft.com/office/drawing/2014/main" id="{31237222-F604-49F1-8989-AF06AF20EDD3}"/>
+              </a:ext>
+            </a:extLst>
+          </p:cNvPr>
+          <p:cNvSpPr txBox="1"/>
+          <p:nvPr/>
+        </p:nvSpPr>
+        <p:spPr>
+          <a:xfrm>
+            <a:off x="9243646" y="6490896"/>
+            <a:ext cx="2948354" cy="338554"/>
+          </a:xfrm>
+          <a:prstGeom prst="rect">
+            <a:avLst/>
+          </a:prstGeom>
+          <a:noFill/>
+        </p:spPr>
+        <p:txBody>
+          <a:bodyPr wrap="square" rtlCol="0">
+            <a:spAutoFit/>
+          </a:bodyPr>
+          <a:lstStyle/>
+          <a:p>
+            <a:pPr algn="r"/>
+            <a:r>
+              <a:rPr lang="en-US" sz="1600">
+                <a:solidFill>
+                  <a:schemeClr val="bg1"/>
+                </a:solidFill>
+                <a:latin typeface="Abadi" panose="020B0604020104020204" pitchFamily="34" charset="0"/>
+              </a:rPr>
+              <a:t>Course Code: CCRNFLRL</a:t>
+            </a:r>
+            <a:endParaRPr lang="en-PH" sz="1600">
+              <a:solidFill>
+                <a:schemeClr val="bg1"/>
+              </a:solidFill>
+              <a:latin typeface="Abadi" panose="020B0604020104020204" pitchFamily="34" charset="0"/>
+            </a:endParaRPr>
+          </a:p>
+        </p:txBody>
+      </p:sp>
+      <p:sp>
+        <p:nvSpPr>
+          <p:cNvPr id="5" name="Title 4">
+            <a:extLst>
+              <a:ext uri="{FF2B5EF4-FFF2-40B4-BE49-F238E27FC236}">
+                <a16:creationId xmlns:a16="http://schemas.microsoft.com/office/drawing/2014/main" id="{EC47D021-EEC4-42AC-B4C3-BC584CB5BC9D}"/>
+              </a:ext>
+            </a:extLst>
+          </p:cNvPr>
+          <p:cNvSpPr>
+            <a:spLocks noGrp="1"/>
+          </p:cNvSpPr>
+          <p:nvPr>
+            <p:ph type="title"/>
+          </p:nvPr>
+        </p:nvSpPr>
+        <p:spPr>
+          <a:xfrm>
+            <a:off x="352425" y="292273"/>
+            <a:ext cx="11458574" cy="869778"/>
+          </a:xfrm>
+        </p:spPr>
+        <p:txBody>
+          <a:bodyPr/>
+          <a:lstStyle/>
+          <a:p>
+            <a:r>
+              <a:rPr lang="en-PH" b="1" dirty="0">
+                <a:latin typeface="+mn-lt"/>
+              </a:rPr>
+              <a:t>Optimal Policy for Student MDP</a:t>
+            </a:r>
+          </a:p>
+        </p:txBody>
+      </p:sp>
+      <p:sp>
+        <p:nvSpPr>
+          <p:cNvPr id="10" name="Content Placeholder 9">
+            <a:extLst>
+              <a:ext uri="{FF2B5EF4-FFF2-40B4-BE49-F238E27FC236}">
+                <a16:creationId xmlns:a16="http://schemas.microsoft.com/office/drawing/2014/main" id="{D5BBEC35-40CA-42D4-BC38-E13B39A6DA8E}"/>
+              </a:ext>
+            </a:extLst>
+          </p:cNvPr>
+          <p:cNvSpPr>
+            <a:spLocks noGrp="1"/>
+          </p:cNvSpPr>
+          <p:nvPr>
+            <p:ph idx="1"/>
+          </p:nvPr>
+        </p:nvSpPr>
+        <p:spPr>
+          <a:xfrm>
+            <a:off x="457198" y="1341120"/>
+            <a:ext cx="11043922" cy="4602480"/>
+          </a:xfrm>
+        </p:spPr>
+        <p:txBody>
+          <a:bodyPr>
+            <a:normAutofit/>
+          </a:bodyPr>
+          <a:lstStyle/>
+          <a:p>
+            <a:endParaRPr lang="en-US" sz="2400" dirty="0"/>
+          </a:p>
+        </p:txBody>
+      </p:sp>
+      <p:pic>
+        <p:nvPicPr>
+          <p:cNvPr id="3" name="Picture 2">
+            <a:extLst>
+              <a:ext uri="{FF2B5EF4-FFF2-40B4-BE49-F238E27FC236}">
+                <a16:creationId xmlns:a16="http://schemas.microsoft.com/office/drawing/2014/main" id="{A8541FDD-CDF4-4137-AD08-317F67DA93DC}"/>
+              </a:ext>
+            </a:extLst>
+          </p:cNvPr>
+          <p:cNvPicPr>
+            <a:picLocks noChangeAspect="1"/>
+          </p:cNvPicPr>
+          <p:nvPr/>
+        </p:nvPicPr>
+        <p:blipFill>
+          <a:blip r:embed="rId2"/>
+          <a:stretch>
+            <a:fillRect/>
+          </a:stretch>
+        </p:blipFill>
+        <p:spPr>
+          <a:xfrm>
+            <a:off x="2946082" y="1056709"/>
+            <a:ext cx="6299835" cy="5192643"/>
+          </a:xfrm>
+          <a:prstGeom prst="rect">
+            <a:avLst/>
+          </a:prstGeom>
+        </p:spPr>
+      </p:pic>
+    </p:spTree>
+    <p:extLst>
+      <p:ext uri="{BB962C8B-B14F-4D97-AF65-F5344CB8AC3E}">
+        <p14:creationId xmlns:p14="http://schemas.microsoft.com/office/powerpoint/2010/main" val="2454795275"/>
+      </p:ext>
+    </p:extLst>
+  </p:cSld>
+  <p:clrMapOvr>
+    <a:masterClrMapping/>
+  </p:clrMapOvr>
+</p:sld>
+</file>
+
+<file path=ppt/slides/slide42.xml><?xml version="1.0" encoding="utf-8"?>
 <p:sld xmlns:a="http://schemas.openxmlformats.org/drawingml/2006/main" xmlns:r="http://schemas.openxmlformats.org/officeDocument/2006/relationships" xmlns:p="http://schemas.openxmlformats.org/presentationml/2006/main">
   <p:cSld>
     <p:spTree>
@@ -28023,8 +28369,8 @@
           </a:p>
         </p:txBody>
       </p:sp>
-      <mc:AlternateContent xmlns:mc="http://schemas.openxmlformats.org/markup-compatibility/2006">
-        <mc:Choice xmlns:a14="http://schemas.microsoft.com/office/drawing/2010/main" Requires="a14">
+      <mc:AlternateContent xmlns:mc="http://schemas.openxmlformats.org/markup-compatibility/2006" xmlns:a14="http://schemas.microsoft.com/office/drawing/2010/main">
+        <mc:Choice Requires="a14">
           <p:sp>
             <p:nvSpPr>
               <p:cNvPr id="17" name="TextBox 16">
@@ -28053,6 +28399,7 @@
               </a:bodyPr>
               <a:lstStyle/>
               <a:p>
+                <a:pPr/>
                 <a14:m>
                   <m:oMathPara xmlns:m="http://schemas.openxmlformats.org/officeDocument/2006/math">
                     <m:oMathParaPr>
@@ -28098,7 +28445,7 @@
             </p:txBody>
           </p:sp>
         </mc:Choice>
-        <mc:Fallback>
+        <mc:Fallback xmlns="">
           <p:sp>
             <p:nvSpPr>
               <p:cNvPr id="17" name="TextBox 16">
@@ -28178,8 +28525,8 @@
           </a:p>
         </p:txBody>
       </p:sp>
-      <mc:AlternateContent xmlns:mc="http://schemas.openxmlformats.org/markup-compatibility/2006">
-        <mc:Choice xmlns:a14="http://schemas.microsoft.com/office/drawing/2010/main" Requires="a14">
+      <mc:AlternateContent xmlns:mc="http://schemas.openxmlformats.org/markup-compatibility/2006" xmlns:a14="http://schemas.microsoft.com/office/drawing/2010/main">
+        <mc:Choice Requires="a14">
           <p:sp>
             <p:nvSpPr>
               <p:cNvPr id="23" name="TextBox 22">
@@ -28208,6 +28555,7 @@
               </a:bodyPr>
               <a:lstStyle/>
               <a:p>
+                <a:pPr/>
                 <a14:m>
                   <m:oMathPara xmlns:m="http://schemas.openxmlformats.org/officeDocument/2006/math">
                     <m:oMathParaPr>
@@ -28247,7 +28595,7 @@
             </p:txBody>
           </p:sp>
         </mc:Choice>
-        <mc:Fallback>
+        <mc:Fallback xmlns="">
           <p:sp>
             <p:nvSpPr>
               <p:cNvPr id="23" name="TextBox 22">
@@ -29191,36 +29539,17 @@
 </file>
 
 <file path=customXml/item1.xml><?xml version="1.0" encoding="utf-8"?>
-<Control xmlns="http://schemas.microsoft.com/VisualStudio/2011/storyboarding/control">
-  <Id Name="8ace2fdb-12ac-4077-a484-31b1b60ebf69" Revision="1" Stencil="System.MyShapes" StencilVersion="1.0"/>
-</Control>
+<p:properties xmlns:p="http://schemas.microsoft.com/office/2006/metadata/properties" xmlns:xsi="http://www.w3.org/2001/XMLSchema-instance" xmlns:pc="http://schemas.microsoft.com/office/infopath/2007/PartnerControls">
+  <documentManagement>
+    <TaxCatchAll xmlns="8635a931-6b84-420a-938b-bf6e93596a85" xsi:nil="true"/>
+    <lcf76f155ced4ddcb4097134ff3c332f xmlns="83665817-2bf1-470e-9d34-a1cdf51135fc">
+      <Terms xmlns="http://schemas.microsoft.com/office/infopath/2007/PartnerControls"/>
+    </lcf76f155ced4ddcb4097134ff3c332f>
+  </documentManagement>
+</p:properties>
 </file>
 
 <file path=customXml/item10.xml><?xml version="1.0" encoding="utf-8"?>
-<Control xmlns="http://schemas.microsoft.com/VisualStudio/2011/storyboarding/control">
-  <Id Name="8ace2fdb-12ac-4077-a484-31b1b60ebf69" Revision="1" Stencil="System.MyShapes" StencilVersion="1.0"/>
-</Control>
-</file>
-
-<file path=customXml/item11.xml><?xml version="1.0" encoding="utf-8"?>
-<Control xmlns="http://schemas.microsoft.com/VisualStudio/2011/storyboarding/control">
-  <Id Name="8ace2fdb-12ac-4077-a484-31b1b60ebf69" Revision="1" Stencil="System.MyShapes" StencilVersion="1.0"/>
-</Control>
-</file>
-
-<file path=customXml/item2.xml><?xml version="1.0" encoding="utf-8"?>
-<Control xmlns="http://schemas.microsoft.com/VisualStudio/2011/storyboarding/control">
-  <Id Name="8ace2fdb-12ac-4077-a484-31b1b60ebf69" Revision="1" Stencil="System.MyShapes" StencilVersion="1.0"/>
-</Control>
-</file>
-
-<file path=customXml/item3.xml><?xml version="1.0" encoding="utf-8"?>
-<Control xmlns="http://schemas.microsoft.com/VisualStudio/2011/storyboarding/control">
-  <Id Name="8ace2fdb-12ac-4077-a484-31b1b60ebf69" Revision="1" Stencil="System.MyShapes" StencilVersion="1.0"/>
-</Control>
-</file>
-
-<file path=customXml/item4.xml><?xml version="1.0" encoding="utf-8"?>
 <ct:contentTypeSchema xmlns:ct="http://schemas.microsoft.com/office/2006/metadata/contentType" xmlns:ma="http://schemas.microsoft.com/office/2006/metadata/properties/metaAttributes" ct:_="" ma:_="" ma:contentTypeName="Document" ma:contentTypeID="0x010100A8972596D83CB9448D5CC5920EF207E5" ma:contentTypeVersion="15" ma:contentTypeDescription="Create a new document." ma:contentTypeScope="" ma:versionID="e0bf2008eb45d6d5fc139be6c8039e46">
   <xsd:schema xmlns:xsd="http://www.w3.org/2001/XMLSchema" xmlns:xs="http://www.w3.org/2001/XMLSchema" xmlns:p="http://schemas.microsoft.com/office/2006/metadata/properties" xmlns:ns2="83665817-2bf1-470e-9d34-a1cdf51135fc" xmlns:ns3="8635a931-6b84-420a-938b-bf6e93596a85" targetNamespace="http://schemas.microsoft.com/office/2006/metadata/properties" ma:root="true" ma:fieldsID="b3f89756f7e2a2b7ac115775bf8004ea" ns2:_="" ns3:_="">
     <xsd:import namespace="83665817-2bf1-470e-9d34-a1cdf51135fc"/>
@@ -29457,6 +29786,33 @@
 </ct:contentTypeSchema>
 </file>
 
+<file path=customXml/item11.xml><?xml version="1.0" encoding="utf-8"?>
+<?mso-contentType ?>
+<FormTemplates xmlns="http://schemas.microsoft.com/sharepoint/v3/contenttype/forms">
+  <Display>DocumentLibraryForm</Display>
+  <Edit>DocumentLibraryForm</Edit>
+  <New>DocumentLibraryForm</New>
+</FormTemplates>
+</file>
+
+<file path=customXml/item2.xml><?xml version="1.0" encoding="utf-8"?>
+<Control xmlns="http://schemas.microsoft.com/VisualStudio/2011/storyboarding/control">
+  <Id Name="8ace2fdb-12ac-4077-a484-31b1b60ebf69" Revision="1" Stencil="System.MyShapes" StencilVersion="1.0"/>
+</Control>
+</file>
+
+<file path=customXml/item3.xml><?xml version="1.0" encoding="utf-8"?>
+<Control xmlns="http://schemas.microsoft.com/VisualStudio/2011/storyboarding/control">
+  <Id Name="8ace2fdb-12ac-4077-a484-31b1b60ebf69" Revision="1" Stencil="System.MyShapes" StencilVersion="1.0"/>
+</Control>
+</file>
+
+<file path=customXml/item4.xml><?xml version="1.0" encoding="utf-8"?>
+<Control xmlns="http://schemas.microsoft.com/VisualStudio/2011/storyboarding/control">
+  <Id Name="8ace2fdb-12ac-4077-a484-31b1b60ebf69" Revision="1" Stencil="System.MyShapes" StencilVersion="1.0"/>
+</Control>
+</file>
+
 <file path=customXml/item5.xml><?xml version="1.0" encoding="utf-8"?>
 <Control xmlns="http://schemas.microsoft.com/VisualStudio/2011/storyboarding/control">
   <Id Name="8ace2fdb-12ac-4077-a484-31b1b60ebf69" Revision="1" Stencil="System.MyShapes" StencilVersion="1.0"/>
@@ -29470,14 +29826,9 @@
 </file>
 
 <file path=customXml/item7.xml><?xml version="1.0" encoding="utf-8"?>
-<p:properties xmlns:p="http://schemas.microsoft.com/office/2006/metadata/properties" xmlns:xsi="http://www.w3.org/2001/XMLSchema-instance" xmlns:pc="http://schemas.microsoft.com/office/infopath/2007/PartnerControls">
-  <documentManagement>
-    <TaxCatchAll xmlns="8635a931-6b84-420a-938b-bf6e93596a85" xsi:nil="true"/>
-    <lcf76f155ced4ddcb4097134ff3c332f xmlns="83665817-2bf1-470e-9d34-a1cdf51135fc">
-      <Terms xmlns="http://schemas.microsoft.com/office/infopath/2007/PartnerControls"/>
-    </lcf76f155ced4ddcb4097134ff3c332f>
-  </documentManagement>
-</p:properties>
+<Control xmlns="http://schemas.microsoft.com/VisualStudio/2011/storyboarding/control">
+  <Id Name="8ace2fdb-12ac-4077-a484-31b1b60ebf69" Revision="1" Stencil="System.MyShapes" StencilVersion="1.0"/>
+</Control>
 </file>
 
 <file path=customXml/item8.xml><?xml version="1.0" encoding="utf-8"?>
@@ -29487,55 +29838,23 @@
 </file>
 
 <file path=customXml/item9.xml><?xml version="1.0" encoding="utf-8"?>
-<?mso-contentType ?>
-<FormTemplates xmlns="http://schemas.microsoft.com/sharepoint/v3/contenttype/forms">
-  <Display>DocumentLibraryForm</Display>
-  <Edit>DocumentLibraryForm</Edit>
-  <New>DocumentLibraryForm</New>
-</FormTemplates>
+<Control xmlns="http://schemas.microsoft.com/VisualStudio/2011/storyboarding/control">
+  <Id Name="8ace2fdb-12ac-4077-a484-31b1b60ebf69" Revision="1" Stencil="System.MyShapes" StencilVersion="1.0"/>
+</Control>
 </file>
 
 <file path=customXml/itemProps1.xml><?xml version="1.0" encoding="utf-8"?>
-<ds:datastoreItem xmlns:ds="http://schemas.openxmlformats.org/officeDocument/2006/customXml" ds:itemID="{DB215FA1-4FD3-42FD-A00D-2232EB3452BE}">
+<ds:datastoreItem xmlns:ds="http://schemas.openxmlformats.org/officeDocument/2006/customXml" ds:itemID="{58136570-7BC1-4E2B-9C85-C95576FF40A7}">
   <ds:schemaRefs>
-    <ds:schemaRef ds:uri="http://schemas.microsoft.com/VisualStudio/2011/storyboarding/control"/>
+    <ds:schemaRef ds:uri="http://schemas.microsoft.com/office/2006/metadata/properties"/>
+    <ds:schemaRef ds:uri="http://schemas.microsoft.com/office/infopath/2007/PartnerControls"/>
+    <ds:schemaRef ds:uri="8635a931-6b84-420a-938b-bf6e93596a85"/>
+    <ds:schemaRef ds:uri="83665817-2bf1-470e-9d34-a1cdf51135fc"/>
   </ds:schemaRefs>
 </ds:datastoreItem>
 </file>
 
 <file path=customXml/itemProps10.xml><?xml version="1.0" encoding="utf-8"?>
-<ds:datastoreItem xmlns:ds="http://schemas.openxmlformats.org/officeDocument/2006/customXml" ds:itemID="{C0AE690A-6DA2-4539-97E4-9CACEDAE07A0}">
-  <ds:schemaRefs>
-    <ds:schemaRef ds:uri="http://schemas.microsoft.com/VisualStudio/2011/storyboarding/control"/>
-  </ds:schemaRefs>
-</ds:datastoreItem>
-</file>
-
-<file path=customXml/itemProps11.xml><?xml version="1.0" encoding="utf-8"?>
-<ds:datastoreItem xmlns:ds="http://schemas.openxmlformats.org/officeDocument/2006/customXml" ds:itemID="{CAEBBB30-5DD1-4E52-82DE-A02E4733D29A}">
-  <ds:schemaRefs>
-    <ds:schemaRef ds:uri="http://schemas.microsoft.com/VisualStudio/2011/storyboarding/control"/>
-  </ds:schemaRefs>
-</ds:datastoreItem>
-</file>
-
-<file path=customXml/itemProps2.xml><?xml version="1.0" encoding="utf-8"?>
-<ds:datastoreItem xmlns:ds="http://schemas.openxmlformats.org/officeDocument/2006/customXml" ds:itemID="{11BDA43E-947F-4629-A7CA-0F1298F3BE36}">
-  <ds:schemaRefs>
-    <ds:schemaRef ds:uri="http://schemas.microsoft.com/VisualStudio/2011/storyboarding/control"/>
-  </ds:schemaRefs>
-</ds:datastoreItem>
-</file>
-
-<file path=customXml/itemProps3.xml><?xml version="1.0" encoding="utf-8"?>
-<ds:datastoreItem xmlns:ds="http://schemas.openxmlformats.org/officeDocument/2006/customXml" ds:itemID="{AD4724DF-B3D7-4FCF-AA8F-856D3FC7F828}">
-  <ds:schemaRefs>
-    <ds:schemaRef ds:uri="http://schemas.microsoft.com/VisualStudio/2011/storyboarding/control"/>
-  </ds:schemaRefs>
-</ds:datastoreItem>
-</file>
-
-<file path=customXml/itemProps4.xml><?xml version="1.0" encoding="utf-8"?>
 <ds:datastoreItem xmlns:ds="http://schemas.openxmlformats.org/officeDocument/2006/customXml" ds:itemID="{E46270AD-03F5-4F71-A0B8-354A4338B7F6}">
   <ds:schemaRefs>
     <ds:schemaRef ds:uri="http://schemas.microsoft.com/office/2006/metadata/contentType"/>
@@ -29554,7 +29873,31 @@
 </ds:datastoreItem>
 </file>
 
-<file path=customXml/itemProps5.xml><?xml version="1.0" encoding="utf-8"?>
+<file path=customXml/itemProps11.xml><?xml version="1.0" encoding="utf-8"?>
+<ds:datastoreItem xmlns:ds="http://schemas.openxmlformats.org/officeDocument/2006/customXml" ds:itemID="{292B90D8-9CEF-43C8-9386-24560806E7EB}">
+  <ds:schemaRefs>
+    <ds:schemaRef ds:uri="http://schemas.microsoft.com/sharepoint/v3/contenttype/forms"/>
+  </ds:schemaRefs>
+</ds:datastoreItem>
+</file>
+
+<file path=customXml/itemProps2.xml><?xml version="1.0" encoding="utf-8"?>
+<ds:datastoreItem xmlns:ds="http://schemas.openxmlformats.org/officeDocument/2006/customXml" ds:itemID="{11BDA43E-947F-4629-A7CA-0F1298F3BE36}">
+  <ds:schemaRefs>
+    <ds:schemaRef ds:uri="http://schemas.microsoft.com/VisualStudio/2011/storyboarding/control"/>
+  </ds:schemaRefs>
+</ds:datastoreItem>
+</file>
+
+<file path=customXml/itemProps3.xml><?xml version="1.0" encoding="utf-8"?>
+<ds:datastoreItem xmlns:ds="http://schemas.openxmlformats.org/officeDocument/2006/customXml" ds:itemID="{CAEBBB30-5DD1-4E52-82DE-A02E4733D29A}">
+  <ds:schemaRefs>
+    <ds:schemaRef ds:uri="http://schemas.microsoft.com/VisualStudio/2011/storyboarding/control"/>
+  </ds:schemaRefs>
+</ds:datastoreItem>
+</file>
+
+<file path=customXml/itemProps4.xml><?xml version="1.0" encoding="utf-8"?>
 <ds:datastoreItem xmlns:ds="http://schemas.openxmlformats.org/officeDocument/2006/customXml" ds:itemID="{C4D067AF-DC92-4F11-82F5-13007749D8F7}">
   <ds:schemaRefs>
     <ds:schemaRef ds:uri="http://schemas.microsoft.com/VisualStudio/2011/storyboarding/control"/>
@@ -29562,7 +29905,31 @@
 </ds:datastoreItem>
 </file>
 
+<file path=customXml/itemProps5.xml><?xml version="1.0" encoding="utf-8"?>
+<ds:datastoreItem xmlns:ds="http://schemas.openxmlformats.org/officeDocument/2006/customXml" ds:itemID="{F79BED0A-E20E-4F16-91D3-BB18BCF17AE7}">
+  <ds:schemaRefs>
+    <ds:schemaRef ds:uri="http://schemas.microsoft.com/VisualStudio/2011/storyboarding/control"/>
+  </ds:schemaRefs>
+</ds:datastoreItem>
+</file>
+
 <file path=customXml/itemProps6.xml><?xml version="1.0" encoding="utf-8"?>
+<ds:datastoreItem xmlns:ds="http://schemas.openxmlformats.org/officeDocument/2006/customXml" ds:itemID="{AD4724DF-B3D7-4FCF-AA8F-856D3FC7F828}">
+  <ds:schemaRefs>
+    <ds:schemaRef ds:uri="http://schemas.microsoft.com/VisualStudio/2011/storyboarding/control"/>
+  </ds:schemaRefs>
+</ds:datastoreItem>
+</file>
+
+<file path=customXml/itemProps7.xml><?xml version="1.0" encoding="utf-8"?>
+<ds:datastoreItem xmlns:ds="http://schemas.openxmlformats.org/officeDocument/2006/customXml" ds:itemID="{DB215FA1-4FD3-42FD-A00D-2232EB3452BE}">
+  <ds:schemaRefs>
+    <ds:schemaRef ds:uri="http://schemas.microsoft.com/VisualStudio/2011/storyboarding/control"/>
+  </ds:schemaRefs>
+</ds:datastoreItem>
+</file>
+
+<file path=customXml/itemProps8.xml><?xml version="1.0" encoding="utf-8"?>
 <ds:datastoreItem xmlns:ds="http://schemas.openxmlformats.org/officeDocument/2006/customXml" ds:itemID="{1E432C16-7313-413A-AE06-D8B8B05337A0}">
   <ds:schemaRefs>
     <ds:schemaRef ds:uri="http://schemas.microsoft.com/VisualStudio/2011/storyboarding/control"/>
@@ -29570,29 +29937,10 @@
 </ds:datastoreItem>
 </file>
 
-<file path=customXml/itemProps7.xml><?xml version="1.0" encoding="utf-8"?>
-<ds:datastoreItem xmlns:ds="http://schemas.openxmlformats.org/officeDocument/2006/customXml" ds:itemID="{58136570-7BC1-4E2B-9C85-C95576FF40A7}">
-  <ds:schemaRefs>
-    <ds:schemaRef ds:uri="http://schemas.microsoft.com/office/2006/metadata/properties"/>
-    <ds:schemaRef ds:uri="http://schemas.microsoft.com/office/infopath/2007/PartnerControls"/>
-    <ds:schemaRef ds:uri="8635a931-6b84-420a-938b-bf6e93596a85"/>
-    <ds:schemaRef ds:uri="83665817-2bf1-470e-9d34-a1cdf51135fc"/>
-  </ds:schemaRefs>
-</ds:datastoreItem>
-</file>
-
-<file path=customXml/itemProps8.xml><?xml version="1.0" encoding="utf-8"?>
-<ds:datastoreItem xmlns:ds="http://schemas.openxmlformats.org/officeDocument/2006/customXml" ds:itemID="{F79BED0A-E20E-4F16-91D3-BB18BCF17AE7}">
+<file path=customXml/itemProps9.xml><?xml version="1.0" encoding="utf-8"?>
+<ds:datastoreItem xmlns:ds="http://schemas.openxmlformats.org/officeDocument/2006/customXml" ds:itemID="{C0AE690A-6DA2-4539-97E4-9CACEDAE07A0}">
   <ds:schemaRefs>
     <ds:schemaRef ds:uri="http://schemas.microsoft.com/VisualStudio/2011/storyboarding/control"/>
   </ds:schemaRefs>
 </ds:datastoreItem>
-</file>
-
-<file path=customXml/itemProps9.xml><?xml version="1.0" encoding="utf-8"?>
-<ds:datastoreItem xmlns:ds="http://schemas.openxmlformats.org/officeDocument/2006/customXml" ds:itemID="{292B90D8-9CEF-43C8-9386-24560806E7EB}">
-  <ds:schemaRefs>
-    <ds:schemaRef ds:uri="http://schemas.microsoft.com/sharepoint/v3/contenttype/forms"/>
-  </ds:schemaRefs>
-</ds:datastoreItem>
 </file>